--- a/img/logo.pptx
+++ b/img/logo.pptx
@@ -2,19 +2,19 @@
 <file path=ppt/presentation.xml><?xml version="1.0" encoding="utf-8"?>
 <p:presentation xmlns:a="http://schemas.openxmlformats.org/drawingml/2006/main" xmlns:r="http://schemas.openxmlformats.org/officeDocument/2006/relationships" xmlns:p="http://schemas.openxmlformats.org/presentationml/2006/main" saveSubsetFonts="1">
   <p:sldMasterIdLst>
-    <p:sldMasterId id="2147483648" r:id="rId1"/>
+    <p:sldMasterId id="2147483660" r:id="rId1"/>
   </p:sldMasterIdLst>
   <p:sldIdLst>
     <p:sldId id="256" r:id="rId2"/>
     <p:sldId id="257" r:id="rId3"/>
   </p:sldIdLst>
-  <p:sldSz cx="12192000" cy="6858000"/>
+  <p:sldSz cx="7315200" cy="7315200"/>
   <p:notesSz cx="6858000" cy="9144000"/>
   <p:defaultTextStyle>
     <a:defPPr>
       <a:defRPr lang="en-US"/>
     </a:defPPr>
-    <a:lvl1pPr marL="0" algn="l" defTabSz="914400" rtl="0" eaLnBrk="1" latinLnBrk="0" hangingPunct="1">
+    <a:lvl1pPr marL="0" algn="l" defTabSz="457200" rtl="0" eaLnBrk="1" latinLnBrk="0" hangingPunct="1">
       <a:defRPr sz="1800" kern="1200">
         <a:solidFill>
           <a:schemeClr val="tx1"/>
@@ -24,7 +24,7 @@
         <a:cs typeface="+mn-cs"/>
       </a:defRPr>
     </a:lvl1pPr>
-    <a:lvl2pPr marL="457200" algn="l" defTabSz="914400" rtl="0" eaLnBrk="1" latinLnBrk="0" hangingPunct="1">
+    <a:lvl2pPr marL="457200" algn="l" defTabSz="457200" rtl="0" eaLnBrk="1" latinLnBrk="0" hangingPunct="1">
       <a:defRPr sz="1800" kern="1200">
         <a:solidFill>
           <a:schemeClr val="tx1"/>
@@ -34,7 +34,7 @@
         <a:cs typeface="+mn-cs"/>
       </a:defRPr>
     </a:lvl2pPr>
-    <a:lvl3pPr marL="914400" algn="l" defTabSz="914400" rtl="0" eaLnBrk="1" latinLnBrk="0" hangingPunct="1">
+    <a:lvl3pPr marL="914400" algn="l" defTabSz="457200" rtl="0" eaLnBrk="1" latinLnBrk="0" hangingPunct="1">
       <a:defRPr sz="1800" kern="1200">
         <a:solidFill>
           <a:schemeClr val="tx1"/>
@@ -44,7 +44,7 @@
         <a:cs typeface="+mn-cs"/>
       </a:defRPr>
     </a:lvl3pPr>
-    <a:lvl4pPr marL="1371600" algn="l" defTabSz="914400" rtl="0" eaLnBrk="1" latinLnBrk="0" hangingPunct="1">
+    <a:lvl4pPr marL="1371600" algn="l" defTabSz="457200" rtl="0" eaLnBrk="1" latinLnBrk="0" hangingPunct="1">
       <a:defRPr sz="1800" kern="1200">
         <a:solidFill>
           <a:schemeClr val="tx1"/>
@@ -54,7 +54,7 @@
         <a:cs typeface="+mn-cs"/>
       </a:defRPr>
     </a:lvl4pPr>
-    <a:lvl5pPr marL="1828800" algn="l" defTabSz="914400" rtl="0" eaLnBrk="1" latinLnBrk="0" hangingPunct="1">
+    <a:lvl5pPr marL="1828800" algn="l" defTabSz="457200" rtl="0" eaLnBrk="1" latinLnBrk="0" hangingPunct="1">
       <a:defRPr sz="1800" kern="1200">
         <a:solidFill>
           <a:schemeClr val="tx1"/>
@@ -64,7 +64,7 @@
         <a:cs typeface="+mn-cs"/>
       </a:defRPr>
     </a:lvl5pPr>
-    <a:lvl6pPr marL="2286000" algn="l" defTabSz="914400" rtl="0" eaLnBrk="1" latinLnBrk="0" hangingPunct="1">
+    <a:lvl6pPr marL="2286000" algn="l" defTabSz="457200" rtl="0" eaLnBrk="1" latinLnBrk="0" hangingPunct="1">
       <a:defRPr sz="1800" kern="1200">
         <a:solidFill>
           <a:schemeClr val="tx1"/>
@@ -74,7 +74,7 @@
         <a:cs typeface="+mn-cs"/>
       </a:defRPr>
     </a:lvl6pPr>
-    <a:lvl7pPr marL="2743200" algn="l" defTabSz="914400" rtl="0" eaLnBrk="1" latinLnBrk="0" hangingPunct="1">
+    <a:lvl7pPr marL="2743200" algn="l" defTabSz="457200" rtl="0" eaLnBrk="1" latinLnBrk="0" hangingPunct="1">
       <a:defRPr sz="1800" kern="1200">
         <a:solidFill>
           <a:schemeClr val="tx1"/>
@@ -84,7 +84,7 @@
         <a:cs typeface="+mn-cs"/>
       </a:defRPr>
     </a:lvl7pPr>
-    <a:lvl8pPr marL="3200400" algn="l" defTabSz="914400" rtl="0" eaLnBrk="1" latinLnBrk="0" hangingPunct="1">
+    <a:lvl8pPr marL="3200400" algn="l" defTabSz="457200" rtl="0" eaLnBrk="1" latinLnBrk="0" hangingPunct="1">
       <a:defRPr sz="1800" kern="1200">
         <a:solidFill>
           <a:schemeClr val="tx1"/>
@@ -94,7 +94,7 @@
         <a:cs typeface="+mn-cs"/>
       </a:defRPr>
     </a:lvl8pPr>
-    <a:lvl9pPr marL="3657600" algn="l" defTabSz="914400" rtl="0" eaLnBrk="1" latinLnBrk="0" hangingPunct="1">
+    <a:lvl9pPr marL="3657600" algn="l" defTabSz="457200" rtl="0" eaLnBrk="1" latinLnBrk="0" hangingPunct="1">
       <a:defRPr sz="1800" kern="1200">
         <a:solidFill>
           <a:schemeClr val="tx1"/>
@@ -105,7 +105,89 @@
       </a:defRPr>
     </a:lvl9pPr>
   </p:defaultTextStyle>
+  <p:extLst>
+    <p:ext uri="{EFAFB233-063F-42B5-8137-9DF3F51BA10A}">
+      <p15:sldGuideLst xmlns:p15="http://schemas.microsoft.com/office/powerpoint/2012/main"/>
+    </p:ext>
+  </p:extLst>
 </p:presentation>
+</file>
+
+<file path=ppt/revisionInfo.xml><?xml version="1.0" encoding="utf-8"?>
+<p1510:revInfo xmlns:a="http://schemas.openxmlformats.org/drawingml/2006/main" xmlns:r="http://schemas.openxmlformats.org/officeDocument/2006/relationships" xmlns:p1510="http://schemas.microsoft.com/office/powerpoint/2015/10/main">
+  <p1510:revLst>
+    <p1510:client id="{742DBEA9-329F-46CE-B9FE-46E24A3FCE05}" v="6" dt="2024-10-09T16:47:35.588"/>
+  </p1510:revLst>
+</p1510:revInfo>
+</file>
+
+<file path=ppt/changesInfos/changesInfo1.xml><?xml version="1.0" encoding="utf-8"?>
+<pc:chgInfo xmlns:a="http://schemas.openxmlformats.org/drawingml/2006/main" xmlns:r="http://schemas.openxmlformats.org/officeDocument/2006/relationships" xmlns:ac="http://schemas.microsoft.com/office/drawing/2013/main/command" xmlns:pc="http://schemas.microsoft.com/office/powerpoint/2013/main/command">
+  <pc:docChgLst>
+    <pc:chgData name="Shelly Wanamaker" userId="cd0df884-05c1-481b-a1f7-883604879bba" providerId="ADAL" clId="{742DBEA9-329F-46CE-B9FE-46E24A3FCE05}"/>
+    <pc:docChg chg="undo custSel modSld">
+      <pc:chgData name="Shelly Wanamaker" userId="cd0df884-05c1-481b-a1f7-883604879bba" providerId="ADAL" clId="{742DBEA9-329F-46CE-B9FE-46E24A3FCE05}" dt="2024-10-09T16:47:35.587" v="46"/>
+      <pc:docMkLst>
+        <pc:docMk/>
+      </pc:docMkLst>
+      <pc:sldChg chg="addSp delSp modSp mod">
+        <pc:chgData name="Shelly Wanamaker" userId="cd0df884-05c1-481b-a1f7-883604879bba" providerId="ADAL" clId="{742DBEA9-329F-46CE-B9FE-46E24A3FCE05}" dt="2024-10-09T16:47:35.587" v="46"/>
+        <pc:sldMkLst>
+          <pc:docMk/>
+          <pc:sldMk cId="2081068796" sldId="257"/>
+        </pc:sldMkLst>
+        <pc:spChg chg="add mod">
+          <ac:chgData name="Shelly Wanamaker" userId="cd0df884-05c1-481b-a1f7-883604879bba" providerId="ADAL" clId="{742DBEA9-329F-46CE-B9FE-46E24A3FCE05}" dt="2024-10-09T16:47:33.064" v="45" actId="207"/>
+          <ac:spMkLst>
+            <pc:docMk/>
+            <pc:sldMk cId="2081068796" sldId="257"/>
+            <ac:spMk id="2" creationId="{A7423BCC-BA35-19D2-3C36-00731A074014}"/>
+          </ac:spMkLst>
+        </pc:spChg>
+        <pc:spChg chg="add mod">
+          <ac:chgData name="Shelly Wanamaker" userId="cd0df884-05c1-481b-a1f7-883604879bba" providerId="ADAL" clId="{742DBEA9-329F-46CE-B9FE-46E24A3FCE05}" dt="2024-10-09T16:47:33.064" v="45" actId="207"/>
+          <ac:spMkLst>
+            <pc:docMk/>
+            <pc:sldMk cId="2081068796" sldId="257"/>
+            <ac:spMk id="3" creationId="{2F238F81-BE78-326B-CC29-A0D129181E3A}"/>
+          </ac:spMkLst>
+        </pc:spChg>
+        <pc:spChg chg="add mod">
+          <ac:chgData name="Shelly Wanamaker" userId="cd0df884-05c1-481b-a1f7-883604879bba" providerId="ADAL" clId="{742DBEA9-329F-46CE-B9FE-46E24A3FCE05}" dt="2024-10-09T16:47:33.064" v="45" actId="207"/>
+          <ac:spMkLst>
+            <pc:docMk/>
+            <pc:sldMk cId="2081068796" sldId="257"/>
+            <ac:spMk id="5" creationId="{C640D02F-5039-9780-C1EE-ACBB2338B535}"/>
+          </ac:spMkLst>
+        </pc:spChg>
+        <pc:picChg chg="add del mod ord">
+          <ac:chgData name="Shelly Wanamaker" userId="cd0df884-05c1-481b-a1f7-883604879bba" providerId="ADAL" clId="{742DBEA9-329F-46CE-B9FE-46E24A3FCE05}" dt="2024-10-09T16:47:16.038" v="42" actId="21"/>
+          <ac:picMkLst>
+            <pc:docMk/>
+            <pc:sldMk cId="2081068796" sldId="257"/>
+            <ac:picMk id="4" creationId="{6413FDCE-8AAA-46D6-197F-163FFF290275}"/>
+          </ac:picMkLst>
+        </pc:picChg>
+        <pc:picChg chg="add mod">
+          <ac:chgData name="Shelly Wanamaker" userId="cd0df884-05c1-481b-a1f7-883604879bba" providerId="ADAL" clId="{742DBEA9-329F-46CE-B9FE-46E24A3FCE05}" dt="2024-10-09T16:46:18.138" v="36"/>
+          <ac:picMkLst>
+            <pc:docMk/>
+            <pc:sldMk cId="2081068796" sldId="257"/>
+            <ac:picMk id="6" creationId="{6413FDCE-8AAA-46D6-197F-163FFF290275}"/>
+          </ac:picMkLst>
+        </pc:picChg>
+        <pc:picChg chg="add mod">
+          <ac:chgData name="Shelly Wanamaker" userId="cd0df884-05c1-481b-a1f7-883604879bba" providerId="ADAL" clId="{742DBEA9-329F-46CE-B9FE-46E24A3FCE05}" dt="2024-10-09T16:47:35.587" v="46"/>
+          <ac:picMkLst>
+            <pc:docMk/>
+            <pc:sldMk cId="2081068796" sldId="257"/>
+            <ac:picMk id="7" creationId="{6413FDCE-8AAA-46D6-197F-163FFF290275}"/>
+          </ac:picMkLst>
+        </pc:picChg>
+      </pc:sldChg>
+    </pc:docChg>
+  </pc:docChgLst>
+</pc:chgInfo>
 </file>
 
 <file path=ppt/slideLayouts/slideLayout1.xml><?xml version="1.0" encoding="utf-8"?>
@@ -127,13 +209,7 @@
       </p:grpSpPr>
       <p:sp>
         <p:nvSpPr>
-          <p:cNvPr id="2" name="Title 1">
-            <a:extLst>
-              <a:ext uri="{FF2B5EF4-FFF2-40B4-BE49-F238E27FC236}">
-                <a16:creationId xmlns:a16="http://schemas.microsoft.com/office/drawing/2014/main" id="{5DD22095-986B-2375-2998-0ACCD948C37E}"/>
-              </a:ext>
-            </a:extLst>
-          </p:cNvPr>
+          <p:cNvPr id="2" name="Title 1"/>
           <p:cNvSpPr>
             <a:spLocks noGrp="1"/>
           </p:cNvSpPr>
@@ -143,15 +219,15 @@
         </p:nvSpPr>
         <p:spPr>
           <a:xfrm>
-            <a:off x="1524000" y="1122363"/>
-            <a:ext cx="9144000" cy="2387600"/>
+            <a:off x="548640" y="1197187"/>
+            <a:ext cx="6217920" cy="2546773"/>
           </a:xfrm>
         </p:spPr>
         <p:txBody>
           <a:bodyPr anchor="b"/>
           <a:lstStyle>
             <a:lvl1pPr algn="ctr">
-              <a:defRPr sz="6000"/>
+              <a:defRPr sz="4800"/>
             </a:lvl1pPr>
           </a:lstStyle>
           <a:p>
@@ -159,18 +235,13 @@
               <a:rPr lang="en-US"/>
               <a:t>Click to edit Master title style</a:t>
             </a:r>
-          </a:p>
-        </p:txBody>
-      </p:sp>
-      <p:sp>
-        <p:nvSpPr>
-          <p:cNvPr id="3" name="Subtitle 2">
-            <a:extLst>
-              <a:ext uri="{FF2B5EF4-FFF2-40B4-BE49-F238E27FC236}">
-                <a16:creationId xmlns:a16="http://schemas.microsoft.com/office/drawing/2014/main" id="{B9E078B8-7B74-4663-2CC1-166B1FD6D531}"/>
-              </a:ext>
-            </a:extLst>
-          </p:cNvPr>
+            <a:endParaRPr lang="en-US" dirty="0"/>
+          </a:p>
+        </p:txBody>
+      </p:sp>
+      <p:sp>
+        <p:nvSpPr>
+          <p:cNvPr id="3" name="Subtitle 2"/>
           <p:cNvSpPr>
             <a:spLocks noGrp="1"/>
           </p:cNvSpPr>
@@ -180,8 +251,8 @@
         </p:nvSpPr>
         <p:spPr>
           <a:xfrm>
-            <a:off x="1524000" y="3602038"/>
-            <a:ext cx="9144000" cy="1655762"/>
+            <a:off x="914400" y="3842174"/>
+            <a:ext cx="5486400" cy="1766146"/>
           </a:xfrm>
         </p:spPr>
         <p:txBody>
@@ -189,39 +260,39 @@
           <a:lstStyle>
             <a:lvl1pPr marL="0" indent="0" algn="ctr">
               <a:buNone/>
-              <a:defRPr sz="2400"/>
+              <a:defRPr sz="1920"/>
             </a:lvl1pPr>
-            <a:lvl2pPr marL="457200" indent="0" algn="ctr">
-              <a:buNone/>
-              <a:defRPr sz="2000"/>
+            <a:lvl2pPr marL="365760" indent="0" algn="ctr">
+              <a:buNone/>
+              <a:defRPr sz="1600"/>
             </a:lvl2pPr>
-            <a:lvl3pPr marL="914400" indent="0" algn="ctr">
-              <a:buNone/>
-              <a:defRPr sz="1800"/>
+            <a:lvl3pPr marL="731520" indent="0" algn="ctr">
+              <a:buNone/>
+              <a:defRPr sz="1440"/>
             </a:lvl3pPr>
-            <a:lvl4pPr marL="1371600" indent="0" algn="ctr">
-              <a:buNone/>
-              <a:defRPr sz="1600"/>
+            <a:lvl4pPr marL="1097280" indent="0" algn="ctr">
+              <a:buNone/>
+              <a:defRPr sz="1280"/>
             </a:lvl4pPr>
-            <a:lvl5pPr marL="1828800" indent="0" algn="ctr">
-              <a:buNone/>
-              <a:defRPr sz="1600"/>
+            <a:lvl5pPr marL="1463040" indent="0" algn="ctr">
+              <a:buNone/>
+              <a:defRPr sz="1280"/>
             </a:lvl5pPr>
-            <a:lvl6pPr marL="2286000" indent="0" algn="ctr">
-              <a:buNone/>
-              <a:defRPr sz="1600"/>
+            <a:lvl6pPr marL="1828800" indent="0" algn="ctr">
+              <a:buNone/>
+              <a:defRPr sz="1280"/>
             </a:lvl6pPr>
-            <a:lvl7pPr marL="2743200" indent="0" algn="ctr">
-              <a:buNone/>
-              <a:defRPr sz="1600"/>
+            <a:lvl7pPr marL="2194560" indent="0" algn="ctr">
+              <a:buNone/>
+              <a:defRPr sz="1280"/>
             </a:lvl7pPr>
-            <a:lvl8pPr marL="3200400" indent="0" algn="ctr">
-              <a:buNone/>
-              <a:defRPr sz="1600"/>
+            <a:lvl8pPr marL="2560320" indent="0" algn="ctr">
+              <a:buNone/>
+              <a:defRPr sz="1280"/>
             </a:lvl8pPr>
-            <a:lvl9pPr marL="3657600" indent="0" algn="ctr">
-              <a:buNone/>
-              <a:defRPr sz="1600"/>
+            <a:lvl9pPr marL="2926080" indent="0" algn="ctr">
+              <a:buNone/>
+              <a:defRPr sz="1280"/>
             </a:lvl9pPr>
           </a:lstStyle>
           <a:p>
@@ -229,18 +300,13 @@
               <a:rPr lang="en-US"/>
               <a:t>Click to edit Master subtitle style</a:t>
             </a:r>
-          </a:p>
-        </p:txBody>
-      </p:sp>
-      <p:sp>
-        <p:nvSpPr>
-          <p:cNvPr id="4" name="Date Placeholder 3">
-            <a:extLst>
-              <a:ext uri="{FF2B5EF4-FFF2-40B4-BE49-F238E27FC236}">
-                <a16:creationId xmlns:a16="http://schemas.microsoft.com/office/drawing/2014/main" id="{BBCEFE69-8FED-547D-527D-FADFE766B3E2}"/>
-              </a:ext>
-            </a:extLst>
-          </p:cNvPr>
+            <a:endParaRPr lang="en-US" dirty="0"/>
+          </a:p>
+        </p:txBody>
+      </p:sp>
+      <p:sp>
+        <p:nvSpPr>
+          <p:cNvPr id="4" name="Date Placeholder 3"/>
           <p:cNvSpPr>
             <a:spLocks noGrp="1"/>
           </p:cNvSpPr>
@@ -255,7 +321,7 @@
           <a:p>
             <a:fld id="{C97BB064-A1BC-4AB8-A124-4C9D8D1A8F42}" type="datetimeFigureOut">
               <a:rPr lang="en-US" smtClean="0"/>
-              <a:t>9/3/2024</a:t>
+              <a:t>10/9/2024</a:t>
             </a:fld>
             <a:endParaRPr lang="en-US"/>
           </a:p>
@@ -263,13 +329,7 @@
       </p:sp>
       <p:sp>
         <p:nvSpPr>
-          <p:cNvPr id="5" name="Footer Placeholder 4">
-            <a:extLst>
-              <a:ext uri="{FF2B5EF4-FFF2-40B4-BE49-F238E27FC236}">
-                <a16:creationId xmlns:a16="http://schemas.microsoft.com/office/drawing/2014/main" id="{53905A2C-C727-F277-6B87-0871ACEAF3BF}"/>
-              </a:ext>
-            </a:extLst>
-          </p:cNvPr>
+          <p:cNvPr id="5" name="Footer Placeholder 4"/>
           <p:cNvSpPr>
             <a:spLocks noGrp="1"/>
           </p:cNvSpPr>
@@ -288,13 +348,7 @@
       </p:sp>
       <p:sp>
         <p:nvSpPr>
-          <p:cNvPr id="6" name="Slide Number Placeholder 5">
-            <a:extLst>
-              <a:ext uri="{FF2B5EF4-FFF2-40B4-BE49-F238E27FC236}">
-                <a16:creationId xmlns:a16="http://schemas.microsoft.com/office/drawing/2014/main" id="{AC4634C3-69EB-B218-7AC1-33334B36E085}"/>
-              </a:ext>
-            </a:extLst>
-          </p:cNvPr>
+          <p:cNvPr id="6" name="Slide Number Placeholder 5"/>
           <p:cNvSpPr>
             <a:spLocks noGrp="1"/>
           </p:cNvSpPr>
@@ -318,7 +372,7 @@
     </p:spTree>
     <p:extLst>
       <p:ext uri="{BB962C8B-B14F-4D97-AF65-F5344CB8AC3E}">
-        <p14:creationId xmlns:p14="http://schemas.microsoft.com/office/powerpoint/2010/main" val="3914925786"/>
+        <p14:creationId xmlns:p14="http://schemas.microsoft.com/office/powerpoint/2010/main" val="1084698883"/>
       </p:ext>
     </p:extLst>
   </p:cSld>
@@ -347,13 +401,7 @@
       </p:grpSpPr>
       <p:sp>
         <p:nvSpPr>
-          <p:cNvPr id="2" name="Title 1">
-            <a:extLst>
-              <a:ext uri="{FF2B5EF4-FFF2-40B4-BE49-F238E27FC236}">
-                <a16:creationId xmlns:a16="http://schemas.microsoft.com/office/drawing/2014/main" id="{C416C02E-5730-E02D-876A-14A5770DF569}"/>
-              </a:ext>
-            </a:extLst>
-          </p:cNvPr>
+          <p:cNvPr id="2" name="Title 1"/>
           <p:cNvSpPr>
             <a:spLocks noGrp="1"/>
           </p:cNvSpPr>
@@ -370,18 +418,13 @@
               <a:rPr lang="en-US"/>
               <a:t>Click to edit Master title style</a:t>
             </a:r>
-          </a:p>
-        </p:txBody>
-      </p:sp>
-      <p:sp>
-        <p:nvSpPr>
-          <p:cNvPr id="3" name="Vertical Text Placeholder 2">
-            <a:extLst>
-              <a:ext uri="{FF2B5EF4-FFF2-40B4-BE49-F238E27FC236}">
-                <a16:creationId xmlns:a16="http://schemas.microsoft.com/office/drawing/2014/main" id="{09EDC64E-C0B6-79C5-8901-C1FC0E578968}"/>
-              </a:ext>
-            </a:extLst>
-          </p:cNvPr>
+            <a:endParaRPr lang="en-US" dirty="0"/>
+          </a:p>
+        </p:txBody>
+      </p:sp>
+      <p:sp>
+        <p:nvSpPr>
+          <p:cNvPr id="3" name="Vertical Text Placeholder 2"/>
           <p:cNvSpPr>
             <a:spLocks noGrp="1"/>
           </p:cNvSpPr>
@@ -427,18 +470,13 @@
               <a:rPr lang="en-US"/>
               <a:t>Fifth level</a:t>
             </a:r>
-          </a:p>
-        </p:txBody>
-      </p:sp>
-      <p:sp>
-        <p:nvSpPr>
-          <p:cNvPr id="4" name="Date Placeholder 3">
-            <a:extLst>
-              <a:ext uri="{FF2B5EF4-FFF2-40B4-BE49-F238E27FC236}">
-                <a16:creationId xmlns:a16="http://schemas.microsoft.com/office/drawing/2014/main" id="{E6FC7CE1-13A8-B4B3-D647-D72840369153}"/>
-              </a:ext>
-            </a:extLst>
-          </p:cNvPr>
+            <a:endParaRPr lang="en-US" dirty="0"/>
+          </a:p>
+        </p:txBody>
+      </p:sp>
+      <p:sp>
+        <p:nvSpPr>
+          <p:cNvPr id="4" name="Date Placeholder 3"/>
           <p:cNvSpPr>
             <a:spLocks noGrp="1"/>
           </p:cNvSpPr>
@@ -453,7 +491,7 @@
           <a:p>
             <a:fld id="{C97BB064-A1BC-4AB8-A124-4C9D8D1A8F42}" type="datetimeFigureOut">
               <a:rPr lang="en-US" smtClean="0"/>
-              <a:t>9/3/2024</a:t>
+              <a:t>10/9/2024</a:t>
             </a:fld>
             <a:endParaRPr lang="en-US"/>
           </a:p>
@@ -461,13 +499,7 @@
       </p:sp>
       <p:sp>
         <p:nvSpPr>
-          <p:cNvPr id="5" name="Footer Placeholder 4">
-            <a:extLst>
-              <a:ext uri="{FF2B5EF4-FFF2-40B4-BE49-F238E27FC236}">
-                <a16:creationId xmlns:a16="http://schemas.microsoft.com/office/drawing/2014/main" id="{B2DA41BE-97F2-1E55-AFF9-45DACB4E60AA}"/>
-              </a:ext>
-            </a:extLst>
-          </p:cNvPr>
+          <p:cNvPr id="5" name="Footer Placeholder 4"/>
           <p:cNvSpPr>
             <a:spLocks noGrp="1"/>
           </p:cNvSpPr>
@@ -486,13 +518,7 @@
       </p:sp>
       <p:sp>
         <p:nvSpPr>
-          <p:cNvPr id="6" name="Slide Number Placeholder 5">
-            <a:extLst>
-              <a:ext uri="{FF2B5EF4-FFF2-40B4-BE49-F238E27FC236}">
-                <a16:creationId xmlns:a16="http://schemas.microsoft.com/office/drawing/2014/main" id="{A4371EB2-2367-6876-039A-970615F1093C}"/>
-              </a:ext>
-            </a:extLst>
-          </p:cNvPr>
+          <p:cNvPr id="6" name="Slide Number Placeholder 5"/>
           <p:cNvSpPr>
             <a:spLocks noGrp="1"/>
           </p:cNvSpPr>
@@ -516,7 +542,7 @@
     </p:spTree>
     <p:extLst>
       <p:ext uri="{BB962C8B-B14F-4D97-AF65-F5344CB8AC3E}">
-        <p14:creationId xmlns:p14="http://schemas.microsoft.com/office/powerpoint/2010/main" val="3698597455"/>
+        <p14:creationId xmlns:p14="http://schemas.microsoft.com/office/powerpoint/2010/main" val="200479133"/>
       </p:ext>
     </p:extLst>
   </p:cSld>
@@ -545,13 +571,7 @@
       </p:grpSpPr>
       <p:sp>
         <p:nvSpPr>
-          <p:cNvPr id="2" name="Vertical Title 1">
-            <a:extLst>
-              <a:ext uri="{FF2B5EF4-FFF2-40B4-BE49-F238E27FC236}">
-                <a16:creationId xmlns:a16="http://schemas.microsoft.com/office/drawing/2014/main" id="{DA39A002-82E6-8B1D-E37F-50ED51A0FF8D}"/>
-              </a:ext>
-            </a:extLst>
-          </p:cNvPr>
+          <p:cNvPr id="2" name="Vertical Title 1"/>
           <p:cNvSpPr>
             <a:spLocks noGrp="1"/>
           </p:cNvSpPr>
@@ -561,8 +581,8 @@
         </p:nvSpPr>
         <p:spPr>
           <a:xfrm>
-            <a:off x="8724900" y="365125"/>
-            <a:ext cx="2628900" cy="5811838"/>
+            <a:off x="5234940" y="389467"/>
+            <a:ext cx="1577340" cy="6199294"/>
           </a:xfrm>
         </p:spPr>
         <p:txBody>
@@ -573,18 +593,13 @@
               <a:rPr lang="en-US"/>
               <a:t>Click to edit Master title style</a:t>
             </a:r>
-          </a:p>
-        </p:txBody>
-      </p:sp>
-      <p:sp>
-        <p:nvSpPr>
-          <p:cNvPr id="3" name="Vertical Text Placeholder 2">
-            <a:extLst>
-              <a:ext uri="{FF2B5EF4-FFF2-40B4-BE49-F238E27FC236}">
-                <a16:creationId xmlns:a16="http://schemas.microsoft.com/office/drawing/2014/main" id="{454B1F08-32AB-C358-B2A7-B8499011C448}"/>
-              </a:ext>
-            </a:extLst>
-          </p:cNvPr>
+            <a:endParaRPr lang="en-US" dirty="0"/>
+          </a:p>
+        </p:txBody>
+      </p:sp>
+      <p:sp>
+        <p:nvSpPr>
+          <p:cNvPr id="3" name="Vertical Text Placeholder 2"/>
           <p:cNvSpPr>
             <a:spLocks noGrp="1"/>
           </p:cNvSpPr>
@@ -594,8 +609,8 @@
         </p:nvSpPr>
         <p:spPr>
           <a:xfrm>
-            <a:off x="838200" y="365125"/>
-            <a:ext cx="7734300" cy="5811838"/>
+            <a:off x="502920" y="389467"/>
+            <a:ext cx="4640580" cy="6199294"/>
           </a:xfrm>
         </p:spPr>
         <p:txBody>
@@ -635,18 +650,13 @@
               <a:rPr lang="en-US"/>
               <a:t>Fifth level</a:t>
             </a:r>
-          </a:p>
-        </p:txBody>
-      </p:sp>
-      <p:sp>
-        <p:nvSpPr>
-          <p:cNvPr id="4" name="Date Placeholder 3">
-            <a:extLst>
-              <a:ext uri="{FF2B5EF4-FFF2-40B4-BE49-F238E27FC236}">
-                <a16:creationId xmlns:a16="http://schemas.microsoft.com/office/drawing/2014/main" id="{70C43012-CC6C-236E-A5F7-69AA707AEFEC}"/>
-              </a:ext>
-            </a:extLst>
-          </p:cNvPr>
+            <a:endParaRPr lang="en-US" dirty="0"/>
+          </a:p>
+        </p:txBody>
+      </p:sp>
+      <p:sp>
+        <p:nvSpPr>
+          <p:cNvPr id="4" name="Date Placeholder 3"/>
           <p:cNvSpPr>
             <a:spLocks noGrp="1"/>
           </p:cNvSpPr>
@@ -661,7 +671,7 @@
           <a:p>
             <a:fld id="{C97BB064-A1BC-4AB8-A124-4C9D8D1A8F42}" type="datetimeFigureOut">
               <a:rPr lang="en-US" smtClean="0"/>
-              <a:t>9/3/2024</a:t>
+              <a:t>10/9/2024</a:t>
             </a:fld>
             <a:endParaRPr lang="en-US"/>
           </a:p>
@@ -669,13 +679,7 @@
       </p:sp>
       <p:sp>
         <p:nvSpPr>
-          <p:cNvPr id="5" name="Footer Placeholder 4">
-            <a:extLst>
-              <a:ext uri="{FF2B5EF4-FFF2-40B4-BE49-F238E27FC236}">
-                <a16:creationId xmlns:a16="http://schemas.microsoft.com/office/drawing/2014/main" id="{E63241D1-8D05-E382-25E3-2F291201D66F}"/>
-              </a:ext>
-            </a:extLst>
-          </p:cNvPr>
+          <p:cNvPr id="5" name="Footer Placeholder 4"/>
           <p:cNvSpPr>
             <a:spLocks noGrp="1"/>
           </p:cNvSpPr>
@@ -694,13 +698,7 @@
       </p:sp>
       <p:sp>
         <p:nvSpPr>
-          <p:cNvPr id="6" name="Slide Number Placeholder 5">
-            <a:extLst>
-              <a:ext uri="{FF2B5EF4-FFF2-40B4-BE49-F238E27FC236}">
-                <a16:creationId xmlns:a16="http://schemas.microsoft.com/office/drawing/2014/main" id="{678AE82F-209A-E928-D4E1-0DD8885197B6}"/>
-              </a:ext>
-            </a:extLst>
-          </p:cNvPr>
+          <p:cNvPr id="6" name="Slide Number Placeholder 5"/>
           <p:cNvSpPr>
             <a:spLocks noGrp="1"/>
           </p:cNvSpPr>
@@ -724,7 +722,7 @@
     </p:spTree>
     <p:extLst>
       <p:ext uri="{BB962C8B-B14F-4D97-AF65-F5344CB8AC3E}">
-        <p14:creationId xmlns:p14="http://schemas.microsoft.com/office/powerpoint/2010/main" val="688404811"/>
+        <p14:creationId xmlns:p14="http://schemas.microsoft.com/office/powerpoint/2010/main" val="2374613186"/>
       </p:ext>
     </p:extLst>
   </p:cSld>
@@ -753,13 +751,7 @@
       </p:grpSpPr>
       <p:sp>
         <p:nvSpPr>
-          <p:cNvPr id="2" name="Title 1">
-            <a:extLst>
-              <a:ext uri="{FF2B5EF4-FFF2-40B4-BE49-F238E27FC236}">
-                <a16:creationId xmlns:a16="http://schemas.microsoft.com/office/drawing/2014/main" id="{02CC95B0-8DC6-EA75-A0BD-9FC81BFE90F6}"/>
-              </a:ext>
-            </a:extLst>
-          </p:cNvPr>
+          <p:cNvPr id="2" name="Title 1"/>
           <p:cNvSpPr>
             <a:spLocks noGrp="1"/>
           </p:cNvSpPr>
@@ -776,18 +768,13 @@
               <a:rPr lang="en-US"/>
               <a:t>Click to edit Master title style</a:t>
             </a:r>
-          </a:p>
-        </p:txBody>
-      </p:sp>
-      <p:sp>
-        <p:nvSpPr>
-          <p:cNvPr id="3" name="Content Placeholder 2">
-            <a:extLst>
-              <a:ext uri="{FF2B5EF4-FFF2-40B4-BE49-F238E27FC236}">
-                <a16:creationId xmlns:a16="http://schemas.microsoft.com/office/drawing/2014/main" id="{F715EC1A-693F-5A49-49E0-1F897EDE9706}"/>
-              </a:ext>
-            </a:extLst>
-          </p:cNvPr>
+            <a:endParaRPr lang="en-US" dirty="0"/>
+          </a:p>
+        </p:txBody>
+      </p:sp>
+      <p:sp>
+        <p:nvSpPr>
+          <p:cNvPr id="3" name="Content Placeholder 2"/>
           <p:cNvSpPr>
             <a:spLocks noGrp="1"/>
           </p:cNvSpPr>
@@ -833,18 +820,13 @@
               <a:rPr lang="en-US"/>
               <a:t>Fifth level</a:t>
             </a:r>
-          </a:p>
-        </p:txBody>
-      </p:sp>
-      <p:sp>
-        <p:nvSpPr>
-          <p:cNvPr id="4" name="Date Placeholder 3">
-            <a:extLst>
-              <a:ext uri="{FF2B5EF4-FFF2-40B4-BE49-F238E27FC236}">
-                <a16:creationId xmlns:a16="http://schemas.microsoft.com/office/drawing/2014/main" id="{B4FB617B-3666-4C96-DDF1-A4A9DC26905F}"/>
-              </a:ext>
-            </a:extLst>
-          </p:cNvPr>
+            <a:endParaRPr lang="en-US" dirty="0"/>
+          </a:p>
+        </p:txBody>
+      </p:sp>
+      <p:sp>
+        <p:nvSpPr>
+          <p:cNvPr id="4" name="Date Placeholder 3"/>
           <p:cNvSpPr>
             <a:spLocks noGrp="1"/>
           </p:cNvSpPr>
@@ -859,7 +841,7 @@
           <a:p>
             <a:fld id="{C97BB064-A1BC-4AB8-A124-4C9D8D1A8F42}" type="datetimeFigureOut">
               <a:rPr lang="en-US" smtClean="0"/>
-              <a:t>9/3/2024</a:t>
+              <a:t>10/9/2024</a:t>
             </a:fld>
             <a:endParaRPr lang="en-US"/>
           </a:p>
@@ -867,13 +849,7 @@
       </p:sp>
       <p:sp>
         <p:nvSpPr>
-          <p:cNvPr id="5" name="Footer Placeholder 4">
-            <a:extLst>
-              <a:ext uri="{FF2B5EF4-FFF2-40B4-BE49-F238E27FC236}">
-                <a16:creationId xmlns:a16="http://schemas.microsoft.com/office/drawing/2014/main" id="{6189B7B5-6412-B788-3C08-D9B01C10A416}"/>
-              </a:ext>
-            </a:extLst>
-          </p:cNvPr>
+          <p:cNvPr id="5" name="Footer Placeholder 4"/>
           <p:cNvSpPr>
             <a:spLocks noGrp="1"/>
           </p:cNvSpPr>
@@ -892,13 +868,7 @@
       </p:sp>
       <p:sp>
         <p:nvSpPr>
-          <p:cNvPr id="6" name="Slide Number Placeholder 5">
-            <a:extLst>
-              <a:ext uri="{FF2B5EF4-FFF2-40B4-BE49-F238E27FC236}">
-                <a16:creationId xmlns:a16="http://schemas.microsoft.com/office/drawing/2014/main" id="{2A1A388F-C391-025E-A26D-EF97D9CCECF0}"/>
-              </a:ext>
-            </a:extLst>
-          </p:cNvPr>
+          <p:cNvPr id="6" name="Slide Number Placeholder 5"/>
           <p:cNvSpPr>
             <a:spLocks noGrp="1"/>
           </p:cNvSpPr>
@@ -922,7 +892,7 @@
     </p:spTree>
     <p:extLst>
       <p:ext uri="{BB962C8B-B14F-4D97-AF65-F5344CB8AC3E}">
-        <p14:creationId xmlns:p14="http://schemas.microsoft.com/office/powerpoint/2010/main" val="406376013"/>
+        <p14:creationId xmlns:p14="http://schemas.microsoft.com/office/powerpoint/2010/main" val="1133383834"/>
       </p:ext>
     </p:extLst>
   </p:cSld>
@@ -951,13 +921,7 @@
       </p:grpSpPr>
       <p:sp>
         <p:nvSpPr>
-          <p:cNvPr id="2" name="Title 1">
-            <a:extLst>
-              <a:ext uri="{FF2B5EF4-FFF2-40B4-BE49-F238E27FC236}">
-                <a16:creationId xmlns:a16="http://schemas.microsoft.com/office/drawing/2014/main" id="{4B1B4C9B-29B3-1C3C-6910-0385E8F4E866}"/>
-              </a:ext>
-            </a:extLst>
-          </p:cNvPr>
+          <p:cNvPr id="2" name="Title 1"/>
           <p:cNvSpPr>
             <a:spLocks noGrp="1"/>
           </p:cNvSpPr>
@@ -967,15 +931,15 @@
         </p:nvSpPr>
         <p:spPr>
           <a:xfrm>
-            <a:off x="831850" y="1709738"/>
-            <a:ext cx="10515600" cy="2852737"/>
+            <a:off x="499110" y="1823722"/>
+            <a:ext cx="6309360" cy="3042919"/>
           </a:xfrm>
         </p:spPr>
         <p:txBody>
           <a:bodyPr anchor="b"/>
           <a:lstStyle>
             <a:lvl1pPr>
-              <a:defRPr sz="6000"/>
+              <a:defRPr sz="4800"/>
             </a:lvl1pPr>
           </a:lstStyle>
           <a:p>
@@ -983,18 +947,13 @@
               <a:rPr lang="en-US"/>
               <a:t>Click to edit Master title style</a:t>
             </a:r>
-          </a:p>
-        </p:txBody>
-      </p:sp>
-      <p:sp>
-        <p:nvSpPr>
-          <p:cNvPr id="3" name="Text Placeholder 2">
-            <a:extLst>
-              <a:ext uri="{FF2B5EF4-FFF2-40B4-BE49-F238E27FC236}">
-                <a16:creationId xmlns:a16="http://schemas.microsoft.com/office/drawing/2014/main" id="{29F48A60-110B-5AFD-0BA8-CE4F21FD6E15}"/>
-              </a:ext>
-            </a:extLst>
-          </p:cNvPr>
+            <a:endParaRPr lang="en-US" dirty="0"/>
+          </a:p>
+        </p:txBody>
+      </p:sp>
+      <p:sp>
+        <p:nvSpPr>
+          <p:cNvPr id="3" name="Text Placeholder 2"/>
           <p:cNvSpPr>
             <a:spLocks noGrp="1"/>
           </p:cNvSpPr>
@@ -1004,8 +963,8 @@
         </p:nvSpPr>
         <p:spPr>
           <a:xfrm>
-            <a:off x="831850" y="4589463"/>
-            <a:ext cx="10515600" cy="1500187"/>
+            <a:off x="499110" y="4895429"/>
+            <a:ext cx="6309360" cy="1600199"/>
           </a:xfrm>
         </p:spPr>
         <p:txBody>
@@ -1013,7 +972,7 @@
           <a:lstStyle>
             <a:lvl1pPr marL="0" indent="0">
               <a:buNone/>
-              <a:defRPr sz="2400">
+              <a:defRPr sz="1920">
                 <a:solidFill>
                   <a:schemeClr val="tx1">
                     <a:tint val="82000"/>
@@ -1021,9 +980,9 @@
                 </a:solidFill>
               </a:defRPr>
             </a:lvl1pPr>
-            <a:lvl2pPr marL="457200" indent="0">
-              <a:buNone/>
-              <a:defRPr sz="2000">
+            <a:lvl2pPr marL="365760" indent="0">
+              <a:buNone/>
+              <a:defRPr sz="1600">
                 <a:solidFill>
                   <a:schemeClr val="tx1">
                     <a:tint val="82000"/>
@@ -1031,9 +990,9 @@
                 </a:solidFill>
               </a:defRPr>
             </a:lvl2pPr>
-            <a:lvl3pPr marL="914400" indent="0">
-              <a:buNone/>
-              <a:defRPr sz="1800">
+            <a:lvl3pPr marL="731520" indent="0">
+              <a:buNone/>
+              <a:defRPr sz="1440">
                 <a:solidFill>
                   <a:schemeClr val="tx1">
                     <a:tint val="82000"/>
@@ -1041,9 +1000,9 @@
                 </a:solidFill>
               </a:defRPr>
             </a:lvl3pPr>
-            <a:lvl4pPr marL="1371600" indent="0">
-              <a:buNone/>
-              <a:defRPr sz="1600">
+            <a:lvl4pPr marL="1097280" indent="0">
+              <a:buNone/>
+              <a:defRPr sz="1280">
                 <a:solidFill>
                   <a:schemeClr val="tx1">
                     <a:tint val="82000"/>
@@ -1051,9 +1010,9 @@
                 </a:solidFill>
               </a:defRPr>
             </a:lvl4pPr>
-            <a:lvl5pPr marL="1828800" indent="0">
-              <a:buNone/>
-              <a:defRPr sz="1600">
+            <a:lvl5pPr marL="1463040" indent="0">
+              <a:buNone/>
+              <a:defRPr sz="1280">
                 <a:solidFill>
                   <a:schemeClr val="tx1">
                     <a:tint val="82000"/>
@@ -1061,9 +1020,9 @@
                 </a:solidFill>
               </a:defRPr>
             </a:lvl5pPr>
-            <a:lvl6pPr marL="2286000" indent="0">
-              <a:buNone/>
-              <a:defRPr sz="1600">
+            <a:lvl6pPr marL="1828800" indent="0">
+              <a:buNone/>
+              <a:defRPr sz="1280">
                 <a:solidFill>
                   <a:schemeClr val="tx1">
                     <a:tint val="82000"/>
@@ -1071,9 +1030,9 @@
                 </a:solidFill>
               </a:defRPr>
             </a:lvl6pPr>
-            <a:lvl7pPr marL="2743200" indent="0">
-              <a:buNone/>
-              <a:defRPr sz="1600">
+            <a:lvl7pPr marL="2194560" indent="0">
+              <a:buNone/>
+              <a:defRPr sz="1280">
                 <a:solidFill>
                   <a:schemeClr val="tx1">
                     <a:tint val="82000"/>
@@ -1081,9 +1040,9 @@
                 </a:solidFill>
               </a:defRPr>
             </a:lvl7pPr>
-            <a:lvl8pPr marL="3200400" indent="0">
-              <a:buNone/>
-              <a:defRPr sz="1600">
+            <a:lvl8pPr marL="2560320" indent="0">
+              <a:buNone/>
+              <a:defRPr sz="1280">
                 <a:solidFill>
                   <a:schemeClr val="tx1">
                     <a:tint val="82000"/>
@@ -1091,9 +1050,9 @@
                 </a:solidFill>
               </a:defRPr>
             </a:lvl8pPr>
-            <a:lvl9pPr marL="3657600" indent="0">
-              <a:buNone/>
-              <a:defRPr sz="1600">
+            <a:lvl9pPr marL="2926080" indent="0">
+              <a:buNone/>
+              <a:defRPr sz="1280">
                 <a:solidFill>
                   <a:schemeClr val="tx1">
                     <a:tint val="82000"/>
@@ -1113,13 +1072,7 @@
       </p:sp>
       <p:sp>
         <p:nvSpPr>
-          <p:cNvPr id="4" name="Date Placeholder 3">
-            <a:extLst>
-              <a:ext uri="{FF2B5EF4-FFF2-40B4-BE49-F238E27FC236}">
-                <a16:creationId xmlns:a16="http://schemas.microsoft.com/office/drawing/2014/main" id="{7A8C2523-94AC-9F32-1C3E-4989BEB523BC}"/>
-              </a:ext>
-            </a:extLst>
-          </p:cNvPr>
+          <p:cNvPr id="4" name="Date Placeholder 3"/>
           <p:cNvSpPr>
             <a:spLocks noGrp="1"/>
           </p:cNvSpPr>
@@ -1134,7 +1087,7 @@
           <a:p>
             <a:fld id="{C97BB064-A1BC-4AB8-A124-4C9D8D1A8F42}" type="datetimeFigureOut">
               <a:rPr lang="en-US" smtClean="0"/>
-              <a:t>9/3/2024</a:t>
+              <a:t>10/9/2024</a:t>
             </a:fld>
             <a:endParaRPr lang="en-US"/>
           </a:p>
@@ -1142,13 +1095,7 @@
       </p:sp>
       <p:sp>
         <p:nvSpPr>
-          <p:cNvPr id="5" name="Footer Placeholder 4">
-            <a:extLst>
-              <a:ext uri="{FF2B5EF4-FFF2-40B4-BE49-F238E27FC236}">
-                <a16:creationId xmlns:a16="http://schemas.microsoft.com/office/drawing/2014/main" id="{ED34C79D-9D88-AE13-048D-2493F16458D0}"/>
-              </a:ext>
-            </a:extLst>
-          </p:cNvPr>
+          <p:cNvPr id="5" name="Footer Placeholder 4"/>
           <p:cNvSpPr>
             <a:spLocks noGrp="1"/>
           </p:cNvSpPr>
@@ -1167,13 +1114,7 @@
       </p:sp>
       <p:sp>
         <p:nvSpPr>
-          <p:cNvPr id="6" name="Slide Number Placeholder 5">
-            <a:extLst>
-              <a:ext uri="{FF2B5EF4-FFF2-40B4-BE49-F238E27FC236}">
-                <a16:creationId xmlns:a16="http://schemas.microsoft.com/office/drawing/2014/main" id="{DDE6DCDB-04C0-7CF1-CAA4-3469844B2B27}"/>
-              </a:ext>
-            </a:extLst>
-          </p:cNvPr>
+          <p:cNvPr id="6" name="Slide Number Placeholder 5"/>
           <p:cNvSpPr>
             <a:spLocks noGrp="1"/>
           </p:cNvSpPr>
@@ -1197,7 +1138,7 @@
     </p:spTree>
     <p:extLst>
       <p:ext uri="{BB962C8B-B14F-4D97-AF65-F5344CB8AC3E}">
-        <p14:creationId xmlns:p14="http://schemas.microsoft.com/office/powerpoint/2010/main" val="1109719952"/>
+        <p14:creationId xmlns:p14="http://schemas.microsoft.com/office/powerpoint/2010/main" val="2674710544"/>
       </p:ext>
     </p:extLst>
   </p:cSld>
@@ -1226,13 +1167,7 @@
       </p:grpSpPr>
       <p:sp>
         <p:nvSpPr>
-          <p:cNvPr id="2" name="Title 1">
-            <a:extLst>
-              <a:ext uri="{FF2B5EF4-FFF2-40B4-BE49-F238E27FC236}">
-                <a16:creationId xmlns:a16="http://schemas.microsoft.com/office/drawing/2014/main" id="{4C976F35-4AB8-73BC-4173-25770D047D1D}"/>
-              </a:ext>
-            </a:extLst>
-          </p:cNvPr>
+          <p:cNvPr id="2" name="Title 1"/>
           <p:cNvSpPr>
             <a:spLocks noGrp="1"/>
           </p:cNvSpPr>
@@ -1249,18 +1184,13 @@
               <a:rPr lang="en-US"/>
               <a:t>Click to edit Master title style</a:t>
             </a:r>
-          </a:p>
-        </p:txBody>
-      </p:sp>
-      <p:sp>
-        <p:nvSpPr>
-          <p:cNvPr id="3" name="Content Placeholder 2">
-            <a:extLst>
-              <a:ext uri="{FF2B5EF4-FFF2-40B4-BE49-F238E27FC236}">
-                <a16:creationId xmlns:a16="http://schemas.microsoft.com/office/drawing/2014/main" id="{D4D90D05-F45C-BCE7-58E6-9D9705EA8FAB}"/>
-              </a:ext>
-            </a:extLst>
-          </p:cNvPr>
+            <a:endParaRPr lang="en-US" dirty="0"/>
+          </a:p>
+        </p:txBody>
+      </p:sp>
+      <p:sp>
+        <p:nvSpPr>
+          <p:cNvPr id="3" name="Content Placeholder 2"/>
           <p:cNvSpPr>
             <a:spLocks noGrp="1"/>
           </p:cNvSpPr>
@@ -1270,8 +1200,8 @@
         </p:nvSpPr>
         <p:spPr>
           <a:xfrm>
-            <a:off x="838200" y="1825625"/>
-            <a:ext cx="5181600" cy="4351338"/>
+            <a:off x="502920" y="1947333"/>
+            <a:ext cx="3108960" cy="4641427"/>
           </a:xfrm>
         </p:spPr>
         <p:txBody>
@@ -1311,18 +1241,13 @@
               <a:rPr lang="en-US"/>
               <a:t>Fifth level</a:t>
             </a:r>
-          </a:p>
-        </p:txBody>
-      </p:sp>
-      <p:sp>
-        <p:nvSpPr>
-          <p:cNvPr id="4" name="Content Placeholder 3">
-            <a:extLst>
-              <a:ext uri="{FF2B5EF4-FFF2-40B4-BE49-F238E27FC236}">
-                <a16:creationId xmlns:a16="http://schemas.microsoft.com/office/drawing/2014/main" id="{5259CB1E-CBD7-8862-8106-B076CE0E09A9}"/>
-              </a:ext>
-            </a:extLst>
-          </p:cNvPr>
+            <a:endParaRPr lang="en-US" dirty="0"/>
+          </a:p>
+        </p:txBody>
+      </p:sp>
+      <p:sp>
+        <p:nvSpPr>
+          <p:cNvPr id="4" name="Content Placeholder 3"/>
           <p:cNvSpPr>
             <a:spLocks noGrp="1"/>
           </p:cNvSpPr>
@@ -1332,8 +1257,8 @@
         </p:nvSpPr>
         <p:spPr>
           <a:xfrm>
-            <a:off x="6172200" y="1825625"/>
-            <a:ext cx="5181600" cy="4351338"/>
+            <a:off x="3703320" y="1947333"/>
+            <a:ext cx="3108960" cy="4641427"/>
           </a:xfrm>
         </p:spPr>
         <p:txBody>
@@ -1373,18 +1298,13 @@
               <a:rPr lang="en-US"/>
               <a:t>Fifth level</a:t>
             </a:r>
-          </a:p>
-        </p:txBody>
-      </p:sp>
-      <p:sp>
-        <p:nvSpPr>
-          <p:cNvPr id="5" name="Date Placeholder 4">
-            <a:extLst>
-              <a:ext uri="{FF2B5EF4-FFF2-40B4-BE49-F238E27FC236}">
-                <a16:creationId xmlns:a16="http://schemas.microsoft.com/office/drawing/2014/main" id="{13DE849F-CCE3-D767-AF6A-4BF3E13D4632}"/>
-              </a:ext>
-            </a:extLst>
-          </p:cNvPr>
+            <a:endParaRPr lang="en-US" dirty="0"/>
+          </a:p>
+        </p:txBody>
+      </p:sp>
+      <p:sp>
+        <p:nvSpPr>
+          <p:cNvPr id="5" name="Date Placeholder 4"/>
           <p:cNvSpPr>
             <a:spLocks noGrp="1"/>
           </p:cNvSpPr>
@@ -1399,7 +1319,7 @@
           <a:p>
             <a:fld id="{C97BB064-A1BC-4AB8-A124-4C9D8D1A8F42}" type="datetimeFigureOut">
               <a:rPr lang="en-US" smtClean="0"/>
-              <a:t>9/3/2024</a:t>
+              <a:t>10/9/2024</a:t>
             </a:fld>
             <a:endParaRPr lang="en-US"/>
           </a:p>
@@ -1407,13 +1327,7 @@
       </p:sp>
       <p:sp>
         <p:nvSpPr>
-          <p:cNvPr id="6" name="Footer Placeholder 5">
-            <a:extLst>
-              <a:ext uri="{FF2B5EF4-FFF2-40B4-BE49-F238E27FC236}">
-                <a16:creationId xmlns:a16="http://schemas.microsoft.com/office/drawing/2014/main" id="{2DEF5788-ADDB-5506-A758-1AFEDDC35A4F}"/>
-              </a:ext>
-            </a:extLst>
-          </p:cNvPr>
+          <p:cNvPr id="6" name="Footer Placeholder 5"/>
           <p:cNvSpPr>
             <a:spLocks noGrp="1"/>
           </p:cNvSpPr>
@@ -1432,13 +1346,7 @@
       </p:sp>
       <p:sp>
         <p:nvSpPr>
-          <p:cNvPr id="7" name="Slide Number Placeholder 6">
-            <a:extLst>
-              <a:ext uri="{FF2B5EF4-FFF2-40B4-BE49-F238E27FC236}">
-                <a16:creationId xmlns:a16="http://schemas.microsoft.com/office/drawing/2014/main" id="{4ECB87BC-7733-FF43-ED37-9B27BA61DC79}"/>
-              </a:ext>
-            </a:extLst>
-          </p:cNvPr>
+          <p:cNvPr id="7" name="Slide Number Placeholder 6"/>
           <p:cNvSpPr>
             <a:spLocks noGrp="1"/>
           </p:cNvSpPr>
@@ -1462,7 +1370,7 @@
     </p:spTree>
     <p:extLst>
       <p:ext uri="{BB962C8B-B14F-4D97-AF65-F5344CB8AC3E}">
-        <p14:creationId xmlns:p14="http://schemas.microsoft.com/office/powerpoint/2010/main" val="3255125312"/>
+        <p14:creationId xmlns:p14="http://schemas.microsoft.com/office/powerpoint/2010/main" val="3145113809"/>
       </p:ext>
     </p:extLst>
   </p:cSld>
@@ -1491,13 +1399,7 @@
       </p:grpSpPr>
       <p:sp>
         <p:nvSpPr>
-          <p:cNvPr id="2" name="Title 1">
-            <a:extLst>
-              <a:ext uri="{FF2B5EF4-FFF2-40B4-BE49-F238E27FC236}">
-                <a16:creationId xmlns:a16="http://schemas.microsoft.com/office/drawing/2014/main" id="{6FDDE1AB-F61A-D604-0663-30AD7EB692E6}"/>
-              </a:ext>
-            </a:extLst>
-          </p:cNvPr>
+          <p:cNvPr id="2" name="Title 1"/>
           <p:cNvSpPr>
             <a:spLocks noGrp="1"/>
           </p:cNvSpPr>
@@ -1507,8 +1409,8 @@
         </p:nvSpPr>
         <p:spPr>
           <a:xfrm>
-            <a:off x="839788" y="365125"/>
-            <a:ext cx="10515600" cy="1325563"/>
+            <a:off x="503873" y="389468"/>
+            <a:ext cx="6309360" cy="1413934"/>
           </a:xfrm>
         </p:spPr>
         <p:txBody>
@@ -1519,18 +1421,13 @@
               <a:rPr lang="en-US"/>
               <a:t>Click to edit Master title style</a:t>
             </a:r>
-          </a:p>
-        </p:txBody>
-      </p:sp>
-      <p:sp>
-        <p:nvSpPr>
-          <p:cNvPr id="3" name="Text Placeholder 2">
-            <a:extLst>
-              <a:ext uri="{FF2B5EF4-FFF2-40B4-BE49-F238E27FC236}">
-                <a16:creationId xmlns:a16="http://schemas.microsoft.com/office/drawing/2014/main" id="{41657BD1-A879-5835-640B-3F987B94C3F2}"/>
-              </a:ext>
-            </a:extLst>
-          </p:cNvPr>
+            <a:endParaRPr lang="en-US" dirty="0"/>
+          </a:p>
+        </p:txBody>
+      </p:sp>
+      <p:sp>
+        <p:nvSpPr>
+          <p:cNvPr id="3" name="Text Placeholder 2"/>
           <p:cNvSpPr>
             <a:spLocks noGrp="1"/>
           </p:cNvSpPr>
@@ -1540,8 +1437,8 @@
         </p:nvSpPr>
         <p:spPr>
           <a:xfrm>
-            <a:off x="839788" y="1681163"/>
-            <a:ext cx="5157787" cy="823912"/>
+            <a:off x="503874" y="1793241"/>
+            <a:ext cx="3094672" cy="878839"/>
           </a:xfrm>
         </p:spPr>
         <p:txBody>
@@ -1549,39 +1446,39 @@
           <a:lstStyle>
             <a:lvl1pPr marL="0" indent="0">
               <a:buNone/>
-              <a:defRPr sz="2400" b="1"/>
+              <a:defRPr sz="1920" b="1"/>
             </a:lvl1pPr>
-            <a:lvl2pPr marL="457200" indent="0">
-              <a:buNone/>
-              <a:defRPr sz="2000" b="1"/>
+            <a:lvl2pPr marL="365760" indent="0">
+              <a:buNone/>
+              <a:defRPr sz="1600" b="1"/>
             </a:lvl2pPr>
-            <a:lvl3pPr marL="914400" indent="0">
-              <a:buNone/>
-              <a:defRPr sz="1800" b="1"/>
+            <a:lvl3pPr marL="731520" indent="0">
+              <a:buNone/>
+              <a:defRPr sz="1440" b="1"/>
             </a:lvl3pPr>
-            <a:lvl4pPr marL="1371600" indent="0">
-              <a:buNone/>
-              <a:defRPr sz="1600" b="1"/>
+            <a:lvl4pPr marL="1097280" indent="0">
+              <a:buNone/>
+              <a:defRPr sz="1280" b="1"/>
             </a:lvl4pPr>
-            <a:lvl5pPr marL="1828800" indent="0">
-              <a:buNone/>
-              <a:defRPr sz="1600" b="1"/>
+            <a:lvl5pPr marL="1463040" indent="0">
+              <a:buNone/>
+              <a:defRPr sz="1280" b="1"/>
             </a:lvl5pPr>
-            <a:lvl6pPr marL="2286000" indent="0">
-              <a:buNone/>
-              <a:defRPr sz="1600" b="1"/>
+            <a:lvl6pPr marL="1828800" indent="0">
+              <a:buNone/>
+              <a:defRPr sz="1280" b="1"/>
             </a:lvl6pPr>
-            <a:lvl7pPr marL="2743200" indent="0">
-              <a:buNone/>
-              <a:defRPr sz="1600" b="1"/>
+            <a:lvl7pPr marL="2194560" indent="0">
+              <a:buNone/>
+              <a:defRPr sz="1280" b="1"/>
             </a:lvl7pPr>
-            <a:lvl8pPr marL="3200400" indent="0">
-              <a:buNone/>
-              <a:defRPr sz="1600" b="1"/>
+            <a:lvl8pPr marL="2560320" indent="0">
+              <a:buNone/>
+              <a:defRPr sz="1280" b="1"/>
             </a:lvl8pPr>
-            <a:lvl9pPr marL="3657600" indent="0">
-              <a:buNone/>
-              <a:defRPr sz="1600" b="1"/>
+            <a:lvl9pPr marL="2926080" indent="0">
+              <a:buNone/>
+              <a:defRPr sz="1280" b="1"/>
             </a:lvl9pPr>
           </a:lstStyle>
           <a:p>
@@ -1595,13 +1492,7 @@
       </p:sp>
       <p:sp>
         <p:nvSpPr>
-          <p:cNvPr id="4" name="Content Placeholder 3">
-            <a:extLst>
-              <a:ext uri="{FF2B5EF4-FFF2-40B4-BE49-F238E27FC236}">
-                <a16:creationId xmlns:a16="http://schemas.microsoft.com/office/drawing/2014/main" id="{DBA52A17-D729-FD22-E8A1-CB4A6DF41FED}"/>
-              </a:ext>
-            </a:extLst>
-          </p:cNvPr>
+          <p:cNvPr id="4" name="Content Placeholder 3"/>
           <p:cNvSpPr>
             <a:spLocks noGrp="1"/>
           </p:cNvSpPr>
@@ -1611,8 +1502,8 @@
         </p:nvSpPr>
         <p:spPr>
           <a:xfrm>
-            <a:off x="839788" y="2505075"/>
-            <a:ext cx="5157787" cy="3684588"/>
+            <a:off x="503874" y="2672080"/>
+            <a:ext cx="3094672" cy="3930227"/>
           </a:xfrm>
         </p:spPr>
         <p:txBody>
@@ -1652,18 +1543,13 @@
               <a:rPr lang="en-US"/>
               <a:t>Fifth level</a:t>
             </a:r>
-          </a:p>
-        </p:txBody>
-      </p:sp>
-      <p:sp>
-        <p:nvSpPr>
-          <p:cNvPr id="5" name="Text Placeholder 4">
-            <a:extLst>
-              <a:ext uri="{FF2B5EF4-FFF2-40B4-BE49-F238E27FC236}">
-                <a16:creationId xmlns:a16="http://schemas.microsoft.com/office/drawing/2014/main" id="{8E8D22BB-DD2F-EE44-554B-3AA46CD50EE4}"/>
-              </a:ext>
-            </a:extLst>
-          </p:cNvPr>
+            <a:endParaRPr lang="en-US" dirty="0"/>
+          </a:p>
+        </p:txBody>
+      </p:sp>
+      <p:sp>
+        <p:nvSpPr>
+          <p:cNvPr id="5" name="Text Placeholder 4"/>
           <p:cNvSpPr>
             <a:spLocks noGrp="1"/>
           </p:cNvSpPr>
@@ -1673,8 +1559,8 @@
         </p:nvSpPr>
         <p:spPr>
           <a:xfrm>
-            <a:off x="6172200" y="1681163"/>
-            <a:ext cx="5183188" cy="823912"/>
+            <a:off x="3703320" y="1793241"/>
+            <a:ext cx="3109913" cy="878839"/>
           </a:xfrm>
         </p:spPr>
         <p:txBody>
@@ -1682,39 +1568,39 @@
           <a:lstStyle>
             <a:lvl1pPr marL="0" indent="0">
               <a:buNone/>
-              <a:defRPr sz="2400" b="1"/>
+              <a:defRPr sz="1920" b="1"/>
             </a:lvl1pPr>
-            <a:lvl2pPr marL="457200" indent="0">
-              <a:buNone/>
-              <a:defRPr sz="2000" b="1"/>
+            <a:lvl2pPr marL="365760" indent="0">
+              <a:buNone/>
+              <a:defRPr sz="1600" b="1"/>
             </a:lvl2pPr>
-            <a:lvl3pPr marL="914400" indent="0">
-              <a:buNone/>
-              <a:defRPr sz="1800" b="1"/>
+            <a:lvl3pPr marL="731520" indent="0">
+              <a:buNone/>
+              <a:defRPr sz="1440" b="1"/>
             </a:lvl3pPr>
-            <a:lvl4pPr marL="1371600" indent="0">
-              <a:buNone/>
-              <a:defRPr sz="1600" b="1"/>
+            <a:lvl4pPr marL="1097280" indent="0">
+              <a:buNone/>
+              <a:defRPr sz="1280" b="1"/>
             </a:lvl4pPr>
-            <a:lvl5pPr marL="1828800" indent="0">
-              <a:buNone/>
-              <a:defRPr sz="1600" b="1"/>
+            <a:lvl5pPr marL="1463040" indent="0">
+              <a:buNone/>
+              <a:defRPr sz="1280" b="1"/>
             </a:lvl5pPr>
-            <a:lvl6pPr marL="2286000" indent="0">
-              <a:buNone/>
-              <a:defRPr sz="1600" b="1"/>
+            <a:lvl6pPr marL="1828800" indent="0">
+              <a:buNone/>
+              <a:defRPr sz="1280" b="1"/>
             </a:lvl6pPr>
-            <a:lvl7pPr marL="2743200" indent="0">
-              <a:buNone/>
-              <a:defRPr sz="1600" b="1"/>
+            <a:lvl7pPr marL="2194560" indent="0">
+              <a:buNone/>
+              <a:defRPr sz="1280" b="1"/>
             </a:lvl7pPr>
-            <a:lvl8pPr marL="3200400" indent="0">
-              <a:buNone/>
-              <a:defRPr sz="1600" b="1"/>
+            <a:lvl8pPr marL="2560320" indent="0">
+              <a:buNone/>
+              <a:defRPr sz="1280" b="1"/>
             </a:lvl8pPr>
-            <a:lvl9pPr marL="3657600" indent="0">
-              <a:buNone/>
-              <a:defRPr sz="1600" b="1"/>
+            <a:lvl9pPr marL="2926080" indent="0">
+              <a:buNone/>
+              <a:defRPr sz="1280" b="1"/>
             </a:lvl9pPr>
           </a:lstStyle>
           <a:p>
@@ -1728,13 +1614,7 @@
       </p:sp>
       <p:sp>
         <p:nvSpPr>
-          <p:cNvPr id="6" name="Content Placeholder 5">
-            <a:extLst>
-              <a:ext uri="{FF2B5EF4-FFF2-40B4-BE49-F238E27FC236}">
-                <a16:creationId xmlns:a16="http://schemas.microsoft.com/office/drawing/2014/main" id="{11D95AC5-130D-7638-AB15-6EE11537D7C9}"/>
-              </a:ext>
-            </a:extLst>
-          </p:cNvPr>
+          <p:cNvPr id="6" name="Content Placeholder 5"/>
           <p:cNvSpPr>
             <a:spLocks noGrp="1"/>
           </p:cNvSpPr>
@@ -1744,8 +1624,8 @@
         </p:nvSpPr>
         <p:spPr>
           <a:xfrm>
-            <a:off x="6172200" y="2505075"/>
-            <a:ext cx="5183188" cy="3684588"/>
+            <a:off x="3703320" y="2672080"/>
+            <a:ext cx="3109913" cy="3930227"/>
           </a:xfrm>
         </p:spPr>
         <p:txBody>
@@ -1785,18 +1665,13 @@
               <a:rPr lang="en-US"/>
               <a:t>Fifth level</a:t>
             </a:r>
-          </a:p>
-        </p:txBody>
-      </p:sp>
-      <p:sp>
-        <p:nvSpPr>
-          <p:cNvPr id="7" name="Date Placeholder 6">
-            <a:extLst>
-              <a:ext uri="{FF2B5EF4-FFF2-40B4-BE49-F238E27FC236}">
-                <a16:creationId xmlns:a16="http://schemas.microsoft.com/office/drawing/2014/main" id="{96B189D0-AEEA-51F8-6D67-1A93CE05909B}"/>
-              </a:ext>
-            </a:extLst>
-          </p:cNvPr>
+            <a:endParaRPr lang="en-US" dirty="0"/>
+          </a:p>
+        </p:txBody>
+      </p:sp>
+      <p:sp>
+        <p:nvSpPr>
+          <p:cNvPr id="7" name="Date Placeholder 6"/>
           <p:cNvSpPr>
             <a:spLocks noGrp="1"/>
           </p:cNvSpPr>
@@ -1811,7 +1686,7 @@
           <a:p>
             <a:fld id="{C97BB064-A1BC-4AB8-A124-4C9D8D1A8F42}" type="datetimeFigureOut">
               <a:rPr lang="en-US" smtClean="0"/>
-              <a:t>9/3/2024</a:t>
+              <a:t>10/9/2024</a:t>
             </a:fld>
             <a:endParaRPr lang="en-US"/>
           </a:p>
@@ -1819,13 +1694,7 @@
       </p:sp>
       <p:sp>
         <p:nvSpPr>
-          <p:cNvPr id="8" name="Footer Placeholder 7">
-            <a:extLst>
-              <a:ext uri="{FF2B5EF4-FFF2-40B4-BE49-F238E27FC236}">
-                <a16:creationId xmlns:a16="http://schemas.microsoft.com/office/drawing/2014/main" id="{08195761-5504-8BE5-A05C-FACCF70B31E9}"/>
-              </a:ext>
-            </a:extLst>
-          </p:cNvPr>
+          <p:cNvPr id="8" name="Footer Placeholder 7"/>
           <p:cNvSpPr>
             <a:spLocks noGrp="1"/>
           </p:cNvSpPr>
@@ -1844,13 +1713,7 @@
       </p:sp>
       <p:sp>
         <p:nvSpPr>
-          <p:cNvPr id="9" name="Slide Number Placeholder 8">
-            <a:extLst>
-              <a:ext uri="{FF2B5EF4-FFF2-40B4-BE49-F238E27FC236}">
-                <a16:creationId xmlns:a16="http://schemas.microsoft.com/office/drawing/2014/main" id="{88428881-814B-0AFE-5FBC-3870E427C3FA}"/>
-              </a:ext>
-            </a:extLst>
-          </p:cNvPr>
+          <p:cNvPr id="9" name="Slide Number Placeholder 8"/>
           <p:cNvSpPr>
             <a:spLocks noGrp="1"/>
           </p:cNvSpPr>
@@ -1874,7 +1737,7 @@
     </p:spTree>
     <p:extLst>
       <p:ext uri="{BB962C8B-B14F-4D97-AF65-F5344CB8AC3E}">
-        <p14:creationId xmlns:p14="http://schemas.microsoft.com/office/powerpoint/2010/main" val="3145211548"/>
+        <p14:creationId xmlns:p14="http://schemas.microsoft.com/office/powerpoint/2010/main" val="546742758"/>
       </p:ext>
     </p:extLst>
   </p:cSld>
@@ -1903,13 +1766,7 @@
       </p:grpSpPr>
       <p:sp>
         <p:nvSpPr>
-          <p:cNvPr id="2" name="Title 1">
-            <a:extLst>
-              <a:ext uri="{FF2B5EF4-FFF2-40B4-BE49-F238E27FC236}">
-                <a16:creationId xmlns:a16="http://schemas.microsoft.com/office/drawing/2014/main" id="{F39EDB36-9063-3B15-F1DD-90442BAA063C}"/>
-              </a:ext>
-            </a:extLst>
-          </p:cNvPr>
+          <p:cNvPr id="2" name="Title 1"/>
           <p:cNvSpPr>
             <a:spLocks noGrp="1"/>
           </p:cNvSpPr>
@@ -1926,18 +1783,13 @@
               <a:rPr lang="en-US"/>
               <a:t>Click to edit Master title style</a:t>
             </a:r>
-          </a:p>
-        </p:txBody>
-      </p:sp>
-      <p:sp>
-        <p:nvSpPr>
-          <p:cNvPr id="3" name="Date Placeholder 2">
-            <a:extLst>
-              <a:ext uri="{FF2B5EF4-FFF2-40B4-BE49-F238E27FC236}">
-                <a16:creationId xmlns:a16="http://schemas.microsoft.com/office/drawing/2014/main" id="{6C75F5D1-91DE-CBDF-4DE8-FCAD3B27DFFB}"/>
-              </a:ext>
-            </a:extLst>
-          </p:cNvPr>
+            <a:endParaRPr lang="en-US" dirty="0"/>
+          </a:p>
+        </p:txBody>
+      </p:sp>
+      <p:sp>
+        <p:nvSpPr>
+          <p:cNvPr id="3" name="Date Placeholder 2"/>
           <p:cNvSpPr>
             <a:spLocks noGrp="1"/>
           </p:cNvSpPr>
@@ -1952,7 +1804,7 @@
           <a:p>
             <a:fld id="{C97BB064-A1BC-4AB8-A124-4C9D8D1A8F42}" type="datetimeFigureOut">
               <a:rPr lang="en-US" smtClean="0"/>
-              <a:t>9/3/2024</a:t>
+              <a:t>10/9/2024</a:t>
             </a:fld>
             <a:endParaRPr lang="en-US"/>
           </a:p>
@@ -1960,13 +1812,7 @@
       </p:sp>
       <p:sp>
         <p:nvSpPr>
-          <p:cNvPr id="4" name="Footer Placeholder 3">
-            <a:extLst>
-              <a:ext uri="{FF2B5EF4-FFF2-40B4-BE49-F238E27FC236}">
-                <a16:creationId xmlns:a16="http://schemas.microsoft.com/office/drawing/2014/main" id="{42882F8D-5E7A-49B7-045C-6897FDE32A64}"/>
-              </a:ext>
-            </a:extLst>
-          </p:cNvPr>
+          <p:cNvPr id="4" name="Footer Placeholder 3"/>
           <p:cNvSpPr>
             <a:spLocks noGrp="1"/>
           </p:cNvSpPr>
@@ -1985,13 +1831,7 @@
       </p:sp>
       <p:sp>
         <p:nvSpPr>
-          <p:cNvPr id="5" name="Slide Number Placeholder 4">
-            <a:extLst>
-              <a:ext uri="{FF2B5EF4-FFF2-40B4-BE49-F238E27FC236}">
-                <a16:creationId xmlns:a16="http://schemas.microsoft.com/office/drawing/2014/main" id="{BB439768-354C-0822-BCB3-09CDA5DAFC7E}"/>
-              </a:ext>
-            </a:extLst>
-          </p:cNvPr>
+          <p:cNvPr id="5" name="Slide Number Placeholder 4"/>
           <p:cNvSpPr>
             <a:spLocks noGrp="1"/>
           </p:cNvSpPr>
@@ -2015,7 +1855,7 @@
     </p:spTree>
     <p:extLst>
       <p:ext uri="{BB962C8B-B14F-4D97-AF65-F5344CB8AC3E}">
-        <p14:creationId xmlns:p14="http://schemas.microsoft.com/office/powerpoint/2010/main" val="936492760"/>
+        <p14:creationId xmlns:p14="http://schemas.microsoft.com/office/powerpoint/2010/main" val="184801542"/>
       </p:ext>
     </p:extLst>
   </p:cSld>
@@ -2044,13 +1884,7 @@
       </p:grpSpPr>
       <p:sp>
         <p:nvSpPr>
-          <p:cNvPr id="2" name="Date Placeholder 1">
-            <a:extLst>
-              <a:ext uri="{FF2B5EF4-FFF2-40B4-BE49-F238E27FC236}">
-                <a16:creationId xmlns:a16="http://schemas.microsoft.com/office/drawing/2014/main" id="{6E0634E8-0543-0D7B-9EF7-9942F2908EDF}"/>
-              </a:ext>
-            </a:extLst>
-          </p:cNvPr>
+          <p:cNvPr id="2" name="Date Placeholder 1"/>
           <p:cNvSpPr>
             <a:spLocks noGrp="1"/>
           </p:cNvSpPr>
@@ -2065,7 +1899,7 @@
           <a:p>
             <a:fld id="{C97BB064-A1BC-4AB8-A124-4C9D8D1A8F42}" type="datetimeFigureOut">
               <a:rPr lang="en-US" smtClean="0"/>
-              <a:t>9/3/2024</a:t>
+              <a:t>10/9/2024</a:t>
             </a:fld>
             <a:endParaRPr lang="en-US"/>
           </a:p>
@@ -2073,13 +1907,7 @@
       </p:sp>
       <p:sp>
         <p:nvSpPr>
-          <p:cNvPr id="3" name="Footer Placeholder 2">
-            <a:extLst>
-              <a:ext uri="{FF2B5EF4-FFF2-40B4-BE49-F238E27FC236}">
-                <a16:creationId xmlns:a16="http://schemas.microsoft.com/office/drawing/2014/main" id="{E16E7DA1-9758-112E-2C5F-09D520DB5920}"/>
-              </a:ext>
-            </a:extLst>
-          </p:cNvPr>
+          <p:cNvPr id="3" name="Footer Placeholder 2"/>
           <p:cNvSpPr>
             <a:spLocks noGrp="1"/>
           </p:cNvSpPr>
@@ -2098,13 +1926,7 @@
       </p:sp>
       <p:sp>
         <p:nvSpPr>
-          <p:cNvPr id="4" name="Slide Number Placeholder 3">
-            <a:extLst>
-              <a:ext uri="{FF2B5EF4-FFF2-40B4-BE49-F238E27FC236}">
-                <a16:creationId xmlns:a16="http://schemas.microsoft.com/office/drawing/2014/main" id="{2C065608-6E3B-5394-E4FD-2B321EE12666}"/>
-              </a:ext>
-            </a:extLst>
-          </p:cNvPr>
+          <p:cNvPr id="4" name="Slide Number Placeholder 3"/>
           <p:cNvSpPr>
             <a:spLocks noGrp="1"/>
           </p:cNvSpPr>
@@ -2128,7 +1950,7 @@
     </p:spTree>
     <p:extLst>
       <p:ext uri="{BB962C8B-B14F-4D97-AF65-F5344CB8AC3E}">
-        <p14:creationId xmlns:p14="http://schemas.microsoft.com/office/powerpoint/2010/main" val="2286560089"/>
+        <p14:creationId xmlns:p14="http://schemas.microsoft.com/office/powerpoint/2010/main" val="1095055571"/>
       </p:ext>
     </p:extLst>
   </p:cSld>
@@ -2157,13 +1979,7 @@
       </p:grpSpPr>
       <p:sp>
         <p:nvSpPr>
-          <p:cNvPr id="2" name="Title 1">
-            <a:extLst>
-              <a:ext uri="{FF2B5EF4-FFF2-40B4-BE49-F238E27FC236}">
-                <a16:creationId xmlns:a16="http://schemas.microsoft.com/office/drawing/2014/main" id="{DB3702C0-60A3-868C-0466-D931A1801759}"/>
-              </a:ext>
-            </a:extLst>
-          </p:cNvPr>
+          <p:cNvPr id="2" name="Title 1"/>
           <p:cNvSpPr>
             <a:spLocks noGrp="1"/>
           </p:cNvSpPr>
@@ -2173,15 +1989,15 @@
         </p:nvSpPr>
         <p:spPr>
           <a:xfrm>
-            <a:off x="839788" y="457200"/>
-            <a:ext cx="3932237" cy="1600200"/>
+            <a:off x="503873" y="487680"/>
+            <a:ext cx="2359342" cy="1706880"/>
           </a:xfrm>
         </p:spPr>
         <p:txBody>
           <a:bodyPr anchor="b"/>
           <a:lstStyle>
             <a:lvl1pPr>
-              <a:defRPr sz="3200"/>
+              <a:defRPr sz="2560"/>
             </a:lvl1pPr>
           </a:lstStyle>
           <a:p>
@@ -2189,18 +2005,13 @@
               <a:rPr lang="en-US"/>
               <a:t>Click to edit Master title style</a:t>
             </a:r>
-          </a:p>
-        </p:txBody>
-      </p:sp>
-      <p:sp>
-        <p:nvSpPr>
-          <p:cNvPr id="3" name="Content Placeholder 2">
-            <a:extLst>
-              <a:ext uri="{FF2B5EF4-FFF2-40B4-BE49-F238E27FC236}">
-                <a16:creationId xmlns:a16="http://schemas.microsoft.com/office/drawing/2014/main" id="{EB4923B6-6357-BA2D-425C-E3EF27726004}"/>
-              </a:ext>
-            </a:extLst>
-          </p:cNvPr>
+            <a:endParaRPr lang="en-US" dirty="0"/>
+          </a:p>
+        </p:txBody>
+      </p:sp>
+      <p:sp>
+        <p:nvSpPr>
+          <p:cNvPr id="3" name="Content Placeholder 2"/>
           <p:cNvSpPr>
             <a:spLocks noGrp="1"/>
           </p:cNvSpPr>
@@ -2210,39 +2021,39 @@
         </p:nvSpPr>
         <p:spPr>
           <a:xfrm>
-            <a:off x="5183188" y="987425"/>
-            <a:ext cx="6172200" cy="4873625"/>
+            <a:off x="3109913" y="1053255"/>
+            <a:ext cx="3703320" cy="5198533"/>
           </a:xfrm>
         </p:spPr>
         <p:txBody>
           <a:bodyPr/>
           <a:lstStyle>
             <a:lvl1pPr>
-              <a:defRPr sz="3200"/>
+              <a:defRPr sz="2560"/>
             </a:lvl1pPr>
             <a:lvl2pPr>
-              <a:defRPr sz="2800"/>
+              <a:defRPr sz="2240"/>
             </a:lvl2pPr>
             <a:lvl3pPr>
-              <a:defRPr sz="2400"/>
+              <a:defRPr sz="1920"/>
             </a:lvl3pPr>
             <a:lvl4pPr>
-              <a:defRPr sz="2000"/>
+              <a:defRPr sz="1600"/>
             </a:lvl4pPr>
             <a:lvl5pPr>
-              <a:defRPr sz="2000"/>
+              <a:defRPr sz="1600"/>
             </a:lvl5pPr>
             <a:lvl6pPr>
-              <a:defRPr sz="2000"/>
+              <a:defRPr sz="1600"/>
             </a:lvl6pPr>
             <a:lvl7pPr>
-              <a:defRPr sz="2000"/>
+              <a:defRPr sz="1600"/>
             </a:lvl7pPr>
             <a:lvl8pPr>
-              <a:defRPr sz="2000"/>
+              <a:defRPr sz="1600"/>
             </a:lvl8pPr>
             <a:lvl9pPr>
-              <a:defRPr sz="2000"/>
+              <a:defRPr sz="1600"/>
             </a:lvl9pPr>
           </a:lstStyle>
           <a:p>
@@ -2279,18 +2090,13 @@
               <a:rPr lang="en-US"/>
               <a:t>Fifth level</a:t>
             </a:r>
-          </a:p>
-        </p:txBody>
-      </p:sp>
-      <p:sp>
-        <p:nvSpPr>
-          <p:cNvPr id="4" name="Text Placeholder 3">
-            <a:extLst>
-              <a:ext uri="{FF2B5EF4-FFF2-40B4-BE49-F238E27FC236}">
-                <a16:creationId xmlns:a16="http://schemas.microsoft.com/office/drawing/2014/main" id="{688EC276-3A67-50F2-AACA-1E01104BAADD}"/>
-              </a:ext>
-            </a:extLst>
-          </p:cNvPr>
+            <a:endParaRPr lang="en-US" dirty="0"/>
+          </a:p>
+        </p:txBody>
+      </p:sp>
+      <p:sp>
+        <p:nvSpPr>
+          <p:cNvPr id="4" name="Text Placeholder 3"/>
           <p:cNvSpPr>
             <a:spLocks noGrp="1"/>
           </p:cNvSpPr>
@@ -2300,8 +2106,8 @@
         </p:nvSpPr>
         <p:spPr>
           <a:xfrm>
-            <a:off x="839788" y="2057400"/>
-            <a:ext cx="3932237" cy="3811588"/>
+            <a:off x="503873" y="2194560"/>
+            <a:ext cx="2359342" cy="4065694"/>
           </a:xfrm>
         </p:spPr>
         <p:txBody>
@@ -2309,39 +2115,39 @@
           <a:lstStyle>
             <a:lvl1pPr marL="0" indent="0">
               <a:buNone/>
-              <a:defRPr sz="1600"/>
+              <a:defRPr sz="1280"/>
             </a:lvl1pPr>
-            <a:lvl2pPr marL="457200" indent="0">
-              <a:buNone/>
-              <a:defRPr sz="1400"/>
+            <a:lvl2pPr marL="365760" indent="0">
+              <a:buNone/>
+              <a:defRPr sz="1120"/>
             </a:lvl2pPr>
-            <a:lvl3pPr marL="914400" indent="0">
-              <a:buNone/>
-              <a:defRPr sz="1200"/>
+            <a:lvl3pPr marL="731520" indent="0">
+              <a:buNone/>
+              <a:defRPr sz="960"/>
             </a:lvl3pPr>
-            <a:lvl4pPr marL="1371600" indent="0">
-              <a:buNone/>
-              <a:defRPr sz="1000"/>
+            <a:lvl4pPr marL="1097280" indent="0">
+              <a:buNone/>
+              <a:defRPr sz="800"/>
             </a:lvl4pPr>
-            <a:lvl5pPr marL="1828800" indent="0">
-              <a:buNone/>
-              <a:defRPr sz="1000"/>
+            <a:lvl5pPr marL="1463040" indent="0">
+              <a:buNone/>
+              <a:defRPr sz="800"/>
             </a:lvl5pPr>
-            <a:lvl6pPr marL="2286000" indent="0">
-              <a:buNone/>
-              <a:defRPr sz="1000"/>
+            <a:lvl6pPr marL="1828800" indent="0">
+              <a:buNone/>
+              <a:defRPr sz="800"/>
             </a:lvl6pPr>
-            <a:lvl7pPr marL="2743200" indent="0">
-              <a:buNone/>
-              <a:defRPr sz="1000"/>
+            <a:lvl7pPr marL="2194560" indent="0">
+              <a:buNone/>
+              <a:defRPr sz="800"/>
             </a:lvl7pPr>
-            <a:lvl8pPr marL="3200400" indent="0">
-              <a:buNone/>
-              <a:defRPr sz="1000"/>
+            <a:lvl8pPr marL="2560320" indent="0">
+              <a:buNone/>
+              <a:defRPr sz="800"/>
             </a:lvl8pPr>
-            <a:lvl9pPr marL="3657600" indent="0">
-              <a:buNone/>
-              <a:defRPr sz="1000"/>
+            <a:lvl9pPr marL="2926080" indent="0">
+              <a:buNone/>
+              <a:defRPr sz="800"/>
             </a:lvl9pPr>
           </a:lstStyle>
           <a:p>
@@ -2355,13 +2161,7 @@
       </p:sp>
       <p:sp>
         <p:nvSpPr>
-          <p:cNvPr id="5" name="Date Placeholder 4">
-            <a:extLst>
-              <a:ext uri="{FF2B5EF4-FFF2-40B4-BE49-F238E27FC236}">
-                <a16:creationId xmlns:a16="http://schemas.microsoft.com/office/drawing/2014/main" id="{C4A668D4-F993-6DFE-12F8-AEFA4572546A}"/>
-              </a:ext>
-            </a:extLst>
-          </p:cNvPr>
+          <p:cNvPr id="5" name="Date Placeholder 4"/>
           <p:cNvSpPr>
             <a:spLocks noGrp="1"/>
           </p:cNvSpPr>
@@ -2376,7 +2176,7 @@
           <a:p>
             <a:fld id="{C97BB064-A1BC-4AB8-A124-4C9D8D1A8F42}" type="datetimeFigureOut">
               <a:rPr lang="en-US" smtClean="0"/>
-              <a:t>9/3/2024</a:t>
+              <a:t>10/9/2024</a:t>
             </a:fld>
             <a:endParaRPr lang="en-US"/>
           </a:p>
@@ -2384,13 +2184,7 @@
       </p:sp>
       <p:sp>
         <p:nvSpPr>
-          <p:cNvPr id="6" name="Footer Placeholder 5">
-            <a:extLst>
-              <a:ext uri="{FF2B5EF4-FFF2-40B4-BE49-F238E27FC236}">
-                <a16:creationId xmlns:a16="http://schemas.microsoft.com/office/drawing/2014/main" id="{69DF01FC-38A2-F37D-D800-46D528CC33CD}"/>
-              </a:ext>
-            </a:extLst>
-          </p:cNvPr>
+          <p:cNvPr id="6" name="Footer Placeholder 5"/>
           <p:cNvSpPr>
             <a:spLocks noGrp="1"/>
           </p:cNvSpPr>
@@ -2409,13 +2203,7 @@
       </p:sp>
       <p:sp>
         <p:nvSpPr>
-          <p:cNvPr id="7" name="Slide Number Placeholder 6">
-            <a:extLst>
-              <a:ext uri="{FF2B5EF4-FFF2-40B4-BE49-F238E27FC236}">
-                <a16:creationId xmlns:a16="http://schemas.microsoft.com/office/drawing/2014/main" id="{B2151F5A-AE25-A0BB-DD66-BF60135A6709}"/>
-              </a:ext>
-            </a:extLst>
-          </p:cNvPr>
+          <p:cNvPr id="7" name="Slide Number Placeholder 6"/>
           <p:cNvSpPr>
             <a:spLocks noGrp="1"/>
           </p:cNvSpPr>
@@ -2439,7 +2227,7 @@
     </p:spTree>
     <p:extLst>
       <p:ext uri="{BB962C8B-B14F-4D97-AF65-F5344CB8AC3E}">
-        <p14:creationId xmlns:p14="http://schemas.microsoft.com/office/powerpoint/2010/main" val="385812457"/>
+        <p14:creationId xmlns:p14="http://schemas.microsoft.com/office/powerpoint/2010/main" val="1539096000"/>
       </p:ext>
     </p:extLst>
   </p:cSld>
@@ -2468,13 +2256,7 @@
       </p:grpSpPr>
       <p:sp>
         <p:nvSpPr>
-          <p:cNvPr id="2" name="Title 1">
-            <a:extLst>
-              <a:ext uri="{FF2B5EF4-FFF2-40B4-BE49-F238E27FC236}">
-                <a16:creationId xmlns:a16="http://schemas.microsoft.com/office/drawing/2014/main" id="{BCA8FFD7-831D-CB7C-21DB-2A1EE2F33E98}"/>
-              </a:ext>
-            </a:extLst>
-          </p:cNvPr>
+          <p:cNvPr id="2" name="Title 1"/>
           <p:cNvSpPr>
             <a:spLocks noGrp="1"/>
           </p:cNvSpPr>
@@ -2484,15 +2266,15 @@
         </p:nvSpPr>
         <p:spPr>
           <a:xfrm>
-            <a:off x="839788" y="457200"/>
-            <a:ext cx="3932237" cy="1600200"/>
+            <a:off x="503873" y="487680"/>
+            <a:ext cx="2359342" cy="1706880"/>
           </a:xfrm>
         </p:spPr>
         <p:txBody>
           <a:bodyPr anchor="b"/>
           <a:lstStyle>
             <a:lvl1pPr>
-              <a:defRPr sz="3200"/>
+              <a:defRPr sz="2560"/>
             </a:lvl1pPr>
           </a:lstStyle>
           <a:p>
@@ -2500,20 +2282,15 @@
               <a:rPr lang="en-US"/>
               <a:t>Click to edit Master title style</a:t>
             </a:r>
-          </a:p>
-        </p:txBody>
-      </p:sp>
-      <p:sp>
-        <p:nvSpPr>
-          <p:cNvPr id="3" name="Picture Placeholder 2">
-            <a:extLst>
-              <a:ext uri="{FF2B5EF4-FFF2-40B4-BE49-F238E27FC236}">
-                <a16:creationId xmlns:a16="http://schemas.microsoft.com/office/drawing/2014/main" id="{14DF00EF-1FDB-7BFA-F75F-688EC143B2CC}"/>
-              </a:ext>
-            </a:extLst>
-          </p:cNvPr>
-          <p:cNvSpPr>
-            <a:spLocks noGrp="1"/>
+            <a:endParaRPr lang="en-US" dirty="0"/>
+          </a:p>
+        </p:txBody>
+      </p:sp>
+      <p:sp>
+        <p:nvSpPr>
+          <p:cNvPr id="3" name="Picture Placeholder 2"/>
+          <p:cNvSpPr>
+            <a:spLocks noGrp="1" noChangeAspect="1"/>
           </p:cNvSpPr>
           <p:nvPr>
             <p:ph type="pic" idx="1"/>
@@ -2521,64 +2298,62 @@
         </p:nvSpPr>
         <p:spPr>
           <a:xfrm>
-            <a:off x="5183188" y="987425"/>
-            <a:ext cx="6172200" cy="4873625"/>
+            <a:off x="3109913" y="1053255"/>
+            <a:ext cx="3703320" cy="5198533"/>
           </a:xfrm>
         </p:spPr>
         <p:txBody>
-          <a:bodyPr/>
+          <a:bodyPr anchor="t"/>
           <a:lstStyle>
             <a:lvl1pPr marL="0" indent="0">
               <a:buNone/>
-              <a:defRPr sz="3200"/>
+              <a:defRPr sz="2560"/>
             </a:lvl1pPr>
-            <a:lvl2pPr marL="457200" indent="0">
-              <a:buNone/>
-              <a:defRPr sz="2800"/>
+            <a:lvl2pPr marL="365760" indent="0">
+              <a:buNone/>
+              <a:defRPr sz="2240"/>
             </a:lvl2pPr>
-            <a:lvl3pPr marL="914400" indent="0">
-              <a:buNone/>
-              <a:defRPr sz="2400"/>
+            <a:lvl3pPr marL="731520" indent="0">
+              <a:buNone/>
+              <a:defRPr sz="1920"/>
             </a:lvl3pPr>
-            <a:lvl4pPr marL="1371600" indent="0">
-              <a:buNone/>
-              <a:defRPr sz="2000"/>
+            <a:lvl4pPr marL="1097280" indent="0">
+              <a:buNone/>
+              <a:defRPr sz="1600"/>
             </a:lvl4pPr>
-            <a:lvl5pPr marL="1828800" indent="0">
-              <a:buNone/>
-              <a:defRPr sz="2000"/>
+            <a:lvl5pPr marL="1463040" indent="0">
+              <a:buNone/>
+              <a:defRPr sz="1600"/>
             </a:lvl5pPr>
-            <a:lvl6pPr marL="2286000" indent="0">
-              <a:buNone/>
-              <a:defRPr sz="2000"/>
+            <a:lvl6pPr marL="1828800" indent="0">
+              <a:buNone/>
+              <a:defRPr sz="1600"/>
             </a:lvl6pPr>
-            <a:lvl7pPr marL="2743200" indent="0">
-              <a:buNone/>
-              <a:defRPr sz="2000"/>
+            <a:lvl7pPr marL="2194560" indent="0">
+              <a:buNone/>
+              <a:defRPr sz="1600"/>
             </a:lvl7pPr>
-            <a:lvl8pPr marL="3200400" indent="0">
-              <a:buNone/>
-              <a:defRPr sz="2000"/>
+            <a:lvl8pPr marL="2560320" indent="0">
+              <a:buNone/>
+              <a:defRPr sz="1600"/>
             </a:lvl8pPr>
-            <a:lvl9pPr marL="3657600" indent="0">
-              <a:buNone/>
-              <a:defRPr sz="2000"/>
+            <a:lvl9pPr marL="2926080" indent="0">
+              <a:buNone/>
+              <a:defRPr sz="1600"/>
             </a:lvl9pPr>
           </a:lstStyle>
           <a:p>
-            <a:endParaRPr lang="en-US"/>
-          </a:p>
-        </p:txBody>
-      </p:sp>
-      <p:sp>
-        <p:nvSpPr>
-          <p:cNvPr id="4" name="Text Placeholder 3">
-            <a:extLst>
-              <a:ext uri="{FF2B5EF4-FFF2-40B4-BE49-F238E27FC236}">
-                <a16:creationId xmlns:a16="http://schemas.microsoft.com/office/drawing/2014/main" id="{9DC4A123-7E1B-D0C8-EEAC-A88F13D5FE12}"/>
-              </a:ext>
-            </a:extLst>
-          </p:cNvPr>
+            <a:r>
+              <a:rPr lang="en-US"/>
+              <a:t>Click icon to add picture</a:t>
+            </a:r>
+            <a:endParaRPr lang="en-US" dirty="0"/>
+          </a:p>
+        </p:txBody>
+      </p:sp>
+      <p:sp>
+        <p:nvSpPr>
+          <p:cNvPr id="4" name="Text Placeholder 3"/>
           <p:cNvSpPr>
             <a:spLocks noGrp="1"/>
           </p:cNvSpPr>
@@ -2588,8 +2363,8 @@
         </p:nvSpPr>
         <p:spPr>
           <a:xfrm>
-            <a:off x="839788" y="2057400"/>
-            <a:ext cx="3932237" cy="3811588"/>
+            <a:off x="503873" y="2194560"/>
+            <a:ext cx="2359342" cy="4065694"/>
           </a:xfrm>
         </p:spPr>
         <p:txBody>
@@ -2597,39 +2372,39 @@
           <a:lstStyle>
             <a:lvl1pPr marL="0" indent="0">
               <a:buNone/>
-              <a:defRPr sz="1600"/>
+              <a:defRPr sz="1280"/>
             </a:lvl1pPr>
-            <a:lvl2pPr marL="457200" indent="0">
-              <a:buNone/>
-              <a:defRPr sz="1400"/>
+            <a:lvl2pPr marL="365760" indent="0">
+              <a:buNone/>
+              <a:defRPr sz="1120"/>
             </a:lvl2pPr>
-            <a:lvl3pPr marL="914400" indent="0">
-              <a:buNone/>
-              <a:defRPr sz="1200"/>
+            <a:lvl3pPr marL="731520" indent="0">
+              <a:buNone/>
+              <a:defRPr sz="960"/>
             </a:lvl3pPr>
-            <a:lvl4pPr marL="1371600" indent="0">
-              <a:buNone/>
-              <a:defRPr sz="1000"/>
+            <a:lvl4pPr marL="1097280" indent="0">
+              <a:buNone/>
+              <a:defRPr sz="800"/>
             </a:lvl4pPr>
-            <a:lvl5pPr marL="1828800" indent="0">
-              <a:buNone/>
-              <a:defRPr sz="1000"/>
+            <a:lvl5pPr marL="1463040" indent="0">
+              <a:buNone/>
+              <a:defRPr sz="800"/>
             </a:lvl5pPr>
-            <a:lvl6pPr marL="2286000" indent="0">
-              <a:buNone/>
-              <a:defRPr sz="1000"/>
+            <a:lvl6pPr marL="1828800" indent="0">
+              <a:buNone/>
+              <a:defRPr sz="800"/>
             </a:lvl6pPr>
-            <a:lvl7pPr marL="2743200" indent="0">
-              <a:buNone/>
-              <a:defRPr sz="1000"/>
+            <a:lvl7pPr marL="2194560" indent="0">
+              <a:buNone/>
+              <a:defRPr sz="800"/>
             </a:lvl7pPr>
-            <a:lvl8pPr marL="3200400" indent="0">
-              <a:buNone/>
-              <a:defRPr sz="1000"/>
+            <a:lvl8pPr marL="2560320" indent="0">
+              <a:buNone/>
+              <a:defRPr sz="800"/>
             </a:lvl8pPr>
-            <a:lvl9pPr marL="3657600" indent="0">
-              <a:buNone/>
-              <a:defRPr sz="1000"/>
+            <a:lvl9pPr marL="2926080" indent="0">
+              <a:buNone/>
+              <a:defRPr sz="800"/>
             </a:lvl9pPr>
           </a:lstStyle>
           <a:p>
@@ -2643,13 +2418,7 @@
       </p:sp>
       <p:sp>
         <p:nvSpPr>
-          <p:cNvPr id="5" name="Date Placeholder 4">
-            <a:extLst>
-              <a:ext uri="{FF2B5EF4-FFF2-40B4-BE49-F238E27FC236}">
-                <a16:creationId xmlns:a16="http://schemas.microsoft.com/office/drawing/2014/main" id="{C3B0DA32-641A-1A44-7F65-1AC6E8F372C0}"/>
-              </a:ext>
-            </a:extLst>
-          </p:cNvPr>
+          <p:cNvPr id="5" name="Date Placeholder 4"/>
           <p:cNvSpPr>
             <a:spLocks noGrp="1"/>
           </p:cNvSpPr>
@@ -2664,7 +2433,7 @@
           <a:p>
             <a:fld id="{C97BB064-A1BC-4AB8-A124-4C9D8D1A8F42}" type="datetimeFigureOut">
               <a:rPr lang="en-US" smtClean="0"/>
-              <a:t>9/3/2024</a:t>
+              <a:t>10/9/2024</a:t>
             </a:fld>
             <a:endParaRPr lang="en-US"/>
           </a:p>
@@ -2672,13 +2441,7 @@
       </p:sp>
       <p:sp>
         <p:nvSpPr>
-          <p:cNvPr id="6" name="Footer Placeholder 5">
-            <a:extLst>
-              <a:ext uri="{FF2B5EF4-FFF2-40B4-BE49-F238E27FC236}">
-                <a16:creationId xmlns:a16="http://schemas.microsoft.com/office/drawing/2014/main" id="{74B2CD7C-6025-51D7-94C0-F12AE18F978C}"/>
-              </a:ext>
-            </a:extLst>
-          </p:cNvPr>
+          <p:cNvPr id="6" name="Footer Placeholder 5"/>
           <p:cNvSpPr>
             <a:spLocks noGrp="1"/>
           </p:cNvSpPr>
@@ -2697,13 +2460,7 @@
       </p:sp>
       <p:sp>
         <p:nvSpPr>
-          <p:cNvPr id="7" name="Slide Number Placeholder 6">
-            <a:extLst>
-              <a:ext uri="{FF2B5EF4-FFF2-40B4-BE49-F238E27FC236}">
-                <a16:creationId xmlns:a16="http://schemas.microsoft.com/office/drawing/2014/main" id="{6682C0AF-5CA9-547B-DF30-F3C0729F7E27}"/>
-              </a:ext>
-            </a:extLst>
-          </p:cNvPr>
+          <p:cNvPr id="7" name="Slide Number Placeholder 6"/>
           <p:cNvSpPr>
             <a:spLocks noGrp="1"/>
           </p:cNvSpPr>
@@ -2727,7 +2484,7 @@
     </p:spTree>
     <p:extLst>
       <p:ext uri="{BB962C8B-B14F-4D97-AF65-F5344CB8AC3E}">
-        <p14:creationId xmlns:p14="http://schemas.microsoft.com/office/powerpoint/2010/main" val="3861814526"/>
+        <p14:creationId xmlns:p14="http://schemas.microsoft.com/office/powerpoint/2010/main" val="1602589134"/>
       </p:ext>
     </p:extLst>
   </p:cSld>
@@ -2761,13 +2518,7 @@
       </p:grpSpPr>
       <p:sp>
         <p:nvSpPr>
-          <p:cNvPr id="2" name="Title Placeholder 1">
-            <a:extLst>
-              <a:ext uri="{FF2B5EF4-FFF2-40B4-BE49-F238E27FC236}">
-                <a16:creationId xmlns:a16="http://schemas.microsoft.com/office/drawing/2014/main" id="{AE39F634-8E49-AA80-EB4B-D51600E70D40}"/>
-              </a:ext>
-            </a:extLst>
-          </p:cNvPr>
+          <p:cNvPr id="2" name="Title Placeholder 1"/>
           <p:cNvSpPr>
             <a:spLocks noGrp="1"/>
           </p:cNvSpPr>
@@ -2777,8 +2528,8 @@
         </p:nvSpPr>
         <p:spPr>
           <a:xfrm>
-            <a:off x="838200" y="365125"/>
-            <a:ext cx="10515600" cy="1325563"/>
+            <a:off x="502920" y="389468"/>
+            <a:ext cx="6309360" cy="1413934"/>
           </a:xfrm>
           <a:prstGeom prst="rect">
             <a:avLst/>
@@ -2794,18 +2545,13 @@
               <a:rPr lang="en-US"/>
               <a:t>Click to edit Master title style</a:t>
             </a:r>
-          </a:p>
-        </p:txBody>
-      </p:sp>
-      <p:sp>
-        <p:nvSpPr>
-          <p:cNvPr id="3" name="Text Placeholder 2">
-            <a:extLst>
-              <a:ext uri="{FF2B5EF4-FFF2-40B4-BE49-F238E27FC236}">
-                <a16:creationId xmlns:a16="http://schemas.microsoft.com/office/drawing/2014/main" id="{360669FB-BCAA-CEB5-7619-A1C0DE072668}"/>
-              </a:ext>
-            </a:extLst>
-          </p:cNvPr>
+            <a:endParaRPr lang="en-US" dirty="0"/>
+          </a:p>
+        </p:txBody>
+      </p:sp>
+      <p:sp>
+        <p:nvSpPr>
+          <p:cNvPr id="3" name="Text Placeholder 2"/>
           <p:cNvSpPr>
             <a:spLocks noGrp="1"/>
           </p:cNvSpPr>
@@ -2815,8 +2561,8 @@
         </p:nvSpPr>
         <p:spPr>
           <a:xfrm>
-            <a:off x="838200" y="1825625"/>
-            <a:ext cx="10515600" cy="4351338"/>
+            <a:off x="502920" y="1947333"/>
+            <a:ext cx="6309360" cy="4641427"/>
           </a:xfrm>
           <a:prstGeom prst="rect">
             <a:avLst/>
@@ -2861,18 +2607,13 @@
               <a:rPr lang="en-US"/>
               <a:t>Fifth level</a:t>
             </a:r>
-          </a:p>
-        </p:txBody>
-      </p:sp>
-      <p:sp>
-        <p:nvSpPr>
-          <p:cNvPr id="4" name="Date Placeholder 3">
-            <a:extLst>
-              <a:ext uri="{FF2B5EF4-FFF2-40B4-BE49-F238E27FC236}">
-                <a16:creationId xmlns:a16="http://schemas.microsoft.com/office/drawing/2014/main" id="{32B11293-81B3-FFF0-0E70-0F1B8BC4B4A5}"/>
-              </a:ext>
-            </a:extLst>
-          </p:cNvPr>
+            <a:endParaRPr lang="en-US" dirty="0"/>
+          </a:p>
+        </p:txBody>
+      </p:sp>
+      <p:sp>
+        <p:nvSpPr>
+          <p:cNvPr id="4" name="Date Placeholder 3"/>
           <p:cNvSpPr>
             <a:spLocks noGrp="1"/>
           </p:cNvSpPr>
@@ -2882,8 +2623,8 @@
         </p:nvSpPr>
         <p:spPr>
           <a:xfrm>
-            <a:off x="838200" y="6356350"/>
-            <a:ext cx="2743200" cy="365125"/>
+            <a:off x="502920" y="6780108"/>
+            <a:ext cx="1645920" cy="389467"/>
           </a:xfrm>
           <a:prstGeom prst="rect">
             <a:avLst/>
@@ -2893,7 +2634,7 @@
           <a:bodyPr vert="horz" lIns="91440" tIns="45720" rIns="91440" bIns="45720" rtlCol="0" anchor="ctr"/>
           <a:lstStyle>
             <a:lvl1pPr algn="l">
-              <a:defRPr sz="1200">
+              <a:defRPr sz="960">
                 <a:solidFill>
                   <a:schemeClr val="tx1">
                     <a:tint val="82000"/>
@@ -2905,7 +2646,7 @@
           <a:p>
             <a:fld id="{C97BB064-A1BC-4AB8-A124-4C9D8D1A8F42}" type="datetimeFigureOut">
               <a:rPr lang="en-US" smtClean="0"/>
-              <a:t>9/3/2024</a:t>
+              <a:t>10/9/2024</a:t>
             </a:fld>
             <a:endParaRPr lang="en-US"/>
           </a:p>
@@ -2913,13 +2654,7 @@
       </p:sp>
       <p:sp>
         <p:nvSpPr>
-          <p:cNvPr id="5" name="Footer Placeholder 4">
-            <a:extLst>
-              <a:ext uri="{FF2B5EF4-FFF2-40B4-BE49-F238E27FC236}">
-                <a16:creationId xmlns:a16="http://schemas.microsoft.com/office/drawing/2014/main" id="{23A075F8-0207-6D23-0843-2489C85CF9CA}"/>
-              </a:ext>
-            </a:extLst>
-          </p:cNvPr>
+          <p:cNvPr id="5" name="Footer Placeholder 4"/>
           <p:cNvSpPr>
             <a:spLocks noGrp="1"/>
           </p:cNvSpPr>
@@ -2929,8 +2664,8 @@
         </p:nvSpPr>
         <p:spPr>
           <a:xfrm>
-            <a:off x="4038600" y="6356350"/>
-            <a:ext cx="4114800" cy="365125"/>
+            <a:off x="2423160" y="6780108"/>
+            <a:ext cx="2468880" cy="389467"/>
           </a:xfrm>
           <a:prstGeom prst="rect">
             <a:avLst/>
@@ -2940,7 +2675,7 @@
           <a:bodyPr vert="horz" lIns="91440" tIns="45720" rIns="91440" bIns="45720" rtlCol="0" anchor="ctr"/>
           <a:lstStyle>
             <a:lvl1pPr algn="ctr">
-              <a:defRPr sz="1200">
+              <a:defRPr sz="960">
                 <a:solidFill>
                   <a:schemeClr val="tx1">
                     <a:tint val="82000"/>
@@ -2956,13 +2691,7 @@
       </p:sp>
       <p:sp>
         <p:nvSpPr>
-          <p:cNvPr id="6" name="Slide Number Placeholder 5">
-            <a:extLst>
-              <a:ext uri="{FF2B5EF4-FFF2-40B4-BE49-F238E27FC236}">
-                <a16:creationId xmlns:a16="http://schemas.microsoft.com/office/drawing/2014/main" id="{8FDF5554-C275-150C-E86B-7C041AB288D2}"/>
-              </a:ext>
-            </a:extLst>
-          </p:cNvPr>
+          <p:cNvPr id="6" name="Slide Number Placeholder 5"/>
           <p:cNvSpPr>
             <a:spLocks noGrp="1"/>
           </p:cNvSpPr>
@@ -2972,8 +2701,8 @@
         </p:nvSpPr>
         <p:spPr>
           <a:xfrm>
-            <a:off x="8610600" y="6356350"/>
-            <a:ext cx="2743200" cy="365125"/>
+            <a:off x="5166360" y="6780108"/>
+            <a:ext cx="1645920" cy="389467"/>
           </a:xfrm>
           <a:prstGeom prst="rect">
             <a:avLst/>
@@ -2983,7 +2712,7 @@
           <a:bodyPr vert="horz" lIns="91440" tIns="45720" rIns="91440" bIns="45720" rtlCol="0" anchor="ctr"/>
           <a:lstStyle>
             <a:lvl1pPr algn="r">
-              <a:defRPr sz="1200">
+              <a:defRPr sz="960">
                 <a:solidFill>
                   <a:schemeClr val="tx1">
                     <a:tint val="82000"/>
@@ -3004,27 +2733,27 @@
     </p:spTree>
     <p:extLst>
       <p:ext uri="{BB962C8B-B14F-4D97-AF65-F5344CB8AC3E}">
-        <p14:creationId xmlns:p14="http://schemas.microsoft.com/office/powerpoint/2010/main" val="2900010597"/>
+        <p14:creationId xmlns:p14="http://schemas.microsoft.com/office/powerpoint/2010/main" val="3301252930"/>
       </p:ext>
     </p:extLst>
   </p:cSld>
   <p:clrMap bg1="lt1" tx1="dk1" bg2="lt2" tx2="dk2" accent1="accent1" accent2="accent2" accent3="accent3" accent4="accent4" accent5="accent5" accent6="accent6" hlink="hlink" folHlink="folHlink"/>
   <p:sldLayoutIdLst>
-    <p:sldLayoutId id="2147483649" r:id="rId1"/>
-    <p:sldLayoutId id="2147483650" r:id="rId2"/>
-    <p:sldLayoutId id="2147483651" r:id="rId3"/>
-    <p:sldLayoutId id="2147483652" r:id="rId4"/>
-    <p:sldLayoutId id="2147483653" r:id="rId5"/>
-    <p:sldLayoutId id="2147483654" r:id="rId6"/>
-    <p:sldLayoutId id="2147483655" r:id="rId7"/>
-    <p:sldLayoutId id="2147483656" r:id="rId8"/>
-    <p:sldLayoutId id="2147483657" r:id="rId9"/>
-    <p:sldLayoutId id="2147483658" r:id="rId10"/>
-    <p:sldLayoutId id="2147483659" r:id="rId11"/>
+    <p:sldLayoutId id="2147483661" r:id="rId1"/>
+    <p:sldLayoutId id="2147483662" r:id="rId2"/>
+    <p:sldLayoutId id="2147483663" r:id="rId3"/>
+    <p:sldLayoutId id="2147483664" r:id="rId4"/>
+    <p:sldLayoutId id="2147483665" r:id="rId5"/>
+    <p:sldLayoutId id="2147483666" r:id="rId6"/>
+    <p:sldLayoutId id="2147483667" r:id="rId7"/>
+    <p:sldLayoutId id="2147483668" r:id="rId8"/>
+    <p:sldLayoutId id="2147483669" r:id="rId9"/>
+    <p:sldLayoutId id="2147483670" r:id="rId10"/>
+    <p:sldLayoutId id="2147483671" r:id="rId11"/>
   </p:sldLayoutIdLst>
   <p:txStyles>
     <p:titleStyle>
-      <a:lvl1pPr algn="l" defTabSz="914400" rtl="0" eaLnBrk="1" latinLnBrk="0" hangingPunct="1">
+      <a:lvl1pPr algn="l" defTabSz="731520" rtl="0" eaLnBrk="1" latinLnBrk="0" hangingPunct="1">
         <a:lnSpc>
           <a:spcPct val="90000"/>
         </a:lnSpc>
@@ -3032,7 +2761,7 @@
           <a:spcPct val="0"/>
         </a:spcBef>
         <a:buNone/>
-        <a:defRPr sz="4400" kern="1200">
+        <a:defRPr sz="3520" kern="1200">
           <a:solidFill>
             <a:schemeClr val="tx1"/>
           </a:solidFill>
@@ -3043,16 +2772,16 @@
       </a:lvl1pPr>
     </p:titleStyle>
     <p:bodyStyle>
-      <a:lvl1pPr marL="228600" indent="-228600" algn="l" defTabSz="914400" rtl="0" eaLnBrk="1" latinLnBrk="0" hangingPunct="1">
+      <a:lvl1pPr marL="182880" indent="-182880" algn="l" defTabSz="731520" rtl="0" eaLnBrk="1" latinLnBrk="0" hangingPunct="1">
         <a:lnSpc>
           <a:spcPct val="90000"/>
         </a:lnSpc>
         <a:spcBef>
-          <a:spcPts val="1000"/>
+          <a:spcPts val="800"/>
         </a:spcBef>
         <a:buFont typeface="Arial" panose="020B0604020202020204" pitchFamily="34" charset="0"/>
         <a:buChar char="•"/>
-        <a:defRPr sz="2800" kern="1200">
+        <a:defRPr sz="2240" kern="1200">
           <a:solidFill>
             <a:schemeClr val="tx1"/>
           </a:solidFill>
@@ -3061,16 +2790,16 @@
           <a:cs typeface="+mn-cs"/>
         </a:defRPr>
       </a:lvl1pPr>
-      <a:lvl2pPr marL="685800" indent="-228600" algn="l" defTabSz="914400" rtl="0" eaLnBrk="1" latinLnBrk="0" hangingPunct="1">
+      <a:lvl2pPr marL="548640" indent="-182880" algn="l" defTabSz="731520" rtl="0" eaLnBrk="1" latinLnBrk="0" hangingPunct="1">
         <a:lnSpc>
           <a:spcPct val="90000"/>
         </a:lnSpc>
         <a:spcBef>
-          <a:spcPts val="500"/>
+          <a:spcPts val="400"/>
         </a:spcBef>
         <a:buFont typeface="Arial" panose="020B0604020202020204" pitchFamily="34" charset="0"/>
         <a:buChar char="•"/>
-        <a:defRPr sz="2400" kern="1200">
+        <a:defRPr sz="1920" kern="1200">
           <a:solidFill>
             <a:schemeClr val="tx1"/>
           </a:solidFill>
@@ -3079,16 +2808,16 @@
           <a:cs typeface="+mn-cs"/>
         </a:defRPr>
       </a:lvl2pPr>
-      <a:lvl3pPr marL="1143000" indent="-228600" algn="l" defTabSz="914400" rtl="0" eaLnBrk="1" latinLnBrk="0" hangingPunct="1">
+      <a:lvl3pPr marL="914400" indent="-182880" algn="l" defTabSz="731520" rtl="0" eaLnBrk="1" latinLnBrk="0" hangingPunct="1">
         <a:lnSpc>
           <a:spcPct val="90000"/>
         </a:lnSpc>
         <a:spcBef>
-          <a:spcPts val="500"/>
+          <a:spcPts val="400"/>
         </a:spcBef>
         <a:buFont typeface="Arial" panose="020B0604020202020204" pitchFamily="34" charset="0"/>
         <a:buChar char="•"/>
-        <a:defRPr sz="2000" kern="1200">
+        <a:defRPr sz="1600" kern="1200">
           <a:solidFill>
             <a:schemeClr val="tx1"/>
           </a:solidFill>
@@ -3097,16 +2826,16 @@
           <a:cs typeface="+mn-cs"/>
         </a:defRPr>
       </a:lvl3pPr>
-      <a:lvl4pPr marL="1600200" indent="-228600" algn="l" defTabSz="914400" rtl="0" eaLnBrk="1" latinLnBrk="0" hangingPunct="1">
+      <a:lvl4pPr marL="1280160" indent="-182880" algn="l" defTabSz="731520" rtl="0" eaLnBrk="1" latinLnBrk="0" hangingPunct="1">
         <a:lnSpc>
           <a:spcPct val="90000"/>
         </a:lnSpc>
         <a:spcBef>
-          <a:spcPts val="500"/>
+          <a:spcPts val="400"/>
         </a:spcBef>
         <a:buFont typeface="Arial" panose="020B0604020202020204" pitchFamily="34" charset="0"/>
         <a:buChar char="•"/>
-        <a:defRPr sz="1800" kern="1200">
+        <a:defRPr sz="1440" kern="1200">
           <a:solidFill>
             <a:schemeClr val="tx1"/>
           </a:solidFill>
@@ -3115,16 +2844,16 @@
           <a:cs typeface="+mn-cs"/>
         </a:defRPr>
       </a:lvl4pPr>
-      <a:lvl5pPr marL="2057400" indent="-228600" algn="l" defTabSz="914400" rtl="0" eaLnBrk="1" latinLnBrk="0" hangingPunct="1">
+      <a:lvl5pPr marL="1645920" indent="-182880" algn="l" defTabSz="731520" rtl="0" eaLnBrk="1" latinLnBrk="0" hangingPunct="1">
         <a:lnSpc>
           <a:spcPct val="90000"/>
         </a:lnSpc>
         <a:spcBef>
-          <a:spcPts val="500"/>
+          <a:spcPts val="400"/>
         </a:spcBef>
         <a:buFont typeface="Arial" panose="020B0604020202020204" pitchFamily="34" charset="0"/>
         <a:buChar char="•"/>
-        <a:defRPr sz="1800" kern="1200">
+        <a:defRPr sz="1440" kern="1200">
           <a:solidFill>
             <a:schemeClr val="tx1"/>
           </a:solidFill>
@@ -3133,16 +2862,16 @@
           <a:cs typeface="+mn-cs"/>
         </a:defRPr>
       </a:lvl5pPr>
-      <a:lvl6pPr marL="2514600" indent="-228600" algn="l" defTabSz="914400" rtl="0" eaLnBrk="1" latinLnBrk="0" hangingPunct="1">
+      <a:lvl6pPr marL="2011680" indent="-182880" algn="l" defTabSz="731520" rtl="0" eaLnBrk="1" latinLnBrk="0" hangingPunct="1">
         <a:lnSpc>
           <a:spcPct val="90000"/>
         </a:lnSpc>
         <a:spcBef>
-          <a:spcPts val="500"/>
+          <a:spcPts val="400"/>
         </a:spcBef>
         <a:buFont typeface="Arial" panose="020B0604020202020204" pitchFamily="34" charset="0"/>
         <a:buChar char="•"/>
-        <a:defRPr sz="1800" kern="1200">
+        <a:defRPr sz="1440" kern="1200">
           <a:solidFill>
             <a:schemeClr val="tx1"/>
           </a:solidFill>
@@ -3151,16 +2880,16 @@
           <a:cs typeface="+mn-cs"/>
         </a:defRPr>
       </a:lvl6pPr>
-      <a:lvl7pPr marL="2971800" indent="-228600" algn="l" defTabSz="914400" rtl="0" eaLnBrk="1" latinLnBrk="0" hangingPunct="1">
+      <a:lvl7pPr marL="2377440" indent="-182880" algn="l" defTabSz="731520" rtl="0" eaLnBrk="1" latinLnBrk="0" hangingPunct="1">
         <a:lnSpc>
           <a:spcPct val="90000"/>
         </a:lnSpc>
         <a:spcBef>
-          <a:spcPts val="500"/>
+          <a:spcPts val="400"/>
         </a:spcBef>
         <a:buFont typeface="Arial" panose="020B0604020202020204" pitchFamily="34" charset="0"/>
         <a:buChar char="•"/>
-        <a:defRPr sz="1800" kern="1200">
+        <a:defRPr sz="1440" kern="1200">
           <a:solidFill>
             <a:schemeClr val="tx1"/>
           </a:solidFill>
@@ -3169,16 +2898,16 @@
           <a:cs typeface="+mn-cs"/>
         </a:defRPr>
       </a:lvl7pPr>
-      <a:lvl8pPr marL="3429000" indent="-228600" algn="l" defTabSz="914400" rtl="0" eaLnBrk="1" latinLnBrk="0" hangingPunct="1">
+      <a:lvl8pPr marL="2743200" indent="-182880" algn="l" defTabSz="731520" rtl="0" eaLnBrk="1" latinLnBrk="0" hangingPunct="1">
         <a:lnSpc>
           <a:spcPct val="90000"/>
         </a:lnSpc>
         <a:spcBef>
-          <a:spcPts val="500"/>
+          <a:spcPts val="400"/>
         </a:spcBef>
         <a:buFont typeface="Arial" panose="020B0604020202020204" pitchFamily="34" charset="0"/>
         <a:buChar char="•"/>
-        <a:defRPr sz="1800" kern="1200">
+        <a:defRPr sz="1440" kern="1200">
           <a:solidFill>
             <a:schemeClr val="tx1"/>
           </a:solidFill>
@@ -3187,16 +2916,16 @@
           <a:cs typeface="+mn-cs"/>
         </a:defRPr>
       </a:lvl8pPr>
-      <a:lvl9pPr marL="3886200" indent="-228600" algn="l" defTabSz="914400" rtl="0" eaLnBrk="1" latinLnBrk="0" hangingPunct="1">
+      <a:lvl9pPr marL="3108960" indent="-182880" algn="l" defTabSz="731520" rtl="0" eaLnBrk="1" latinLnBrk="0" hangingPunct="1">
         <a:lnSpc>
           <a:spcPct val="90000"/>
         </a:lnSpc>
         <a:spcBef>
-          <a:spcPts val="500"/>
+          <a:spcPts val="400"/>
         </a:spcBef>
         <a:buFont typeface="Arial" panose="020B0604020202020204" pitchFamily="34" charset="0"/>
         <a:buChar char="•"/>
-        <a:defRPr sz="1800" kern="1200">
+        <a:defRPr sz="1440" kern="1200">
           <a:solidFill>
             <a:schemeClr val="tx1"/>
           </a:solidFill>
@@ -3210,8 +2939,8 @@
       <a:defPPr>
         <a:defRPr lang="en-US"/>
       </a:defPPr>
-      <a:lvl1pPr marL="0" algn="l" defTabSz="914400" rtl="0" eaLnBrk="1" latinLnBrk="0" hangingPunct="1">
-        <a:defRPr sz="1800" kern="1200">
+      <a:lvl1pPr marL="0" algn="l" defTabSz="731520" rtl="0" eaLnBrk="1" latinLnBrk="0" hangingPunct="1">
+        <a:defRPr sz="1440" kern="1200">
           <a:solidFill>
             <a:schemeClr val="tx1"/>
           </a:solidFill>
@@ -3220,8 +2949,8 @@
           <a:cs typeface="+mn-cs"/>
         </a:defRPr>
       </a:lvl1pPr>
-      <a:lvl2pPr marL="457200" algn="l" defTabSz="914400" rtl="0" eaLnBrk="1" latinLnBrk="0" hangingPunct="1">
-        <a:defRPr sz="1800" kern="1200">
+      <a:lvl2pPr marL="365760" algn="l" defTabSz="731520" rtl="0" eaLnBrk="1" latinLnBrk="0" hangingPunct="1">
+        <a:defRPr sz="1440" kern="1200">
           <a:solidFill>
             <a:schemeClr val="tx1"/>
           </a:solidFill>
@@ -3230,8 +2959,8 @@
           <a:cs typeface="+mn-cs"/>
         </a:defRPr>
       </a:lvl2pPr>
-      <a:lvl3pPr marL="914400" algn="l" defTabSz="914400" rtl="0" eaLnBrk="1" latinLnBrk="0" hangingPunct="1">
-        <a:defRPr sz="1800" kern="1200">
+      <a:lvl3pPr marL="731520" algn="l" defTabSz="731520" rtl="0" eaLnBrk="1" latinLnBrk="0" hangingPunct="1">
+        <a:defRPr sz="1440" kern="1200">
           <a:solidFill>
             <a:schemeClr val="tx1"/>
           </a:solidFill>
@@ -3240,8 +2969,8 @@
           <a:cs typeface="+mn-cs"/>
         </a:defRPr>
       </a:lvl3pPr>
-      <a:lvl4pPr marL="1371600" algn="l" defTabSz="914400" rtl="0" eaLnBrk="1" latinLnBrk="0" hangingPunct="1">
-        <a:defRPr sz="1800" kern="1200">
+      <a:lvl4pPr marL="1097280" algn="l" defTabSz="731520" rtl="0" eaLnBrk="1" latinLnBrk="0" hangingPunct="1">
+        <a:defRPr sz="1440" kern="1200">
           <a:solidFill>
             <a:schemeClr val="tx1"/>
           </a:solidFill>
@@ -3250,8 +2979,8 @@
           <a:cs typeface="+mn-cs"/>
         </a:defRPr>
       </a:lvl4pPr>
-      <a:lvl5pPr marL="1828800" algn="l" defTabSz="914400" rtl="0" eaLnBrk="1" latinLnBrk="0" hangingPunct="1">
-        <a:defRPr sz="1800" kern="1200">
+      <a:lvl5pPr marL="1463040" algn="l" defTabSz="731520" rtl="0" eaLnBrk="1" latinLnBrk="0" hangingPunct="1">
+        <a:defRPr sz="1440" kern="1200">
           <a:solidFill>
             <a:schemeClr val="tx1"/>
           </a:solidFill>
@@ -3260,8 +2989,8 @@
           <a:cs typeface="+mn-cs"/>
         </a:defRPr>
       </a:lvl5pPr>
-      <a:lvl6pPr marL="2286000" algn="l" defTabSz="914400" rtl="0" eaLnBrk="1" latinLnBrk="0" hangingPunct="1">
-        <a:defRPr sz="1800" kern="1200">
+      <a:lvl6pPr marL="1828800" algn="l" defTabSz="731520" rtl="0" eaLnBrk="1" latinLnBrk="0" hangingPunct="1">
+        <a:defRPr sz="1440" kern="1200">
           <a:solidFill>
             <a:schemeClr val="tx1"/>
           </a:solidFill>
@@ -3270,8 +2999,8 @@
           <a:cs typeface="+mn-cs"/>
         </a:defRPr>
       </a:lvl6pPr>
-      <a:lvl7pPr marL="2743200" algn="l" defTabSz="914400" rtl="0" eaLnBrk="1" latinLnBrk="0" hangingPunct="1">
-        <a:defRPr sz="1800" kern="1200">
+      <a:lvl7pPr marL="2194560" algn="l" defTabSz="731520" rtl="0" eaLnBrk="1" latinLnBrk="0" hangingPunct="1">
+        <a:defRPr sz="1440" kern="1200">
           <a:solidFill>
             <a:schemeClr val="tx1"/>
           </a:solidFill>
@@ -3280,8 +3009,8 @@
           <a:cs typeface="+mn-cs"/>
         </a:defRPr>
       </a:lvl7pPr>
-      <a:lvl8pPr marL="3200400" algn="l" defTabSz="914400" rtl="0" eaLnBrk="1" latinLnBrk="0" hangingPunct="1">
-        <a:defRPr sz="1800" kern="1200">
+      <a:lvl8pPr marL="2560320" algn="l" defTabSz="731520" rtl="0" eaLnBrk="1" latinLnBrk="0" hangingPunct="1">
+        <a:defRPr sz="1440" kern="1200">
           <a:solidFill>
             <a:schemeClr val="tx1"/>
           </a:solidFill>
@@ -3290,8 +3019,8 @@
           <a:cs typeface="+mn-cs"/>
         </a:defRPr>
       </a:lvl8pPr>
-      <a:lvl9pPr marL="3657600" algn="l" defTabSz="914400" rtl="0" eaLnBrk="1" latinLnBrk="0" hangingPunct="1">
-        <a:defRPr sz="1800" kern="1200">
+      <a:lvl9pPr marL="2926080" algn="l" defTabSz="731520" rtl="0" eaLnBrk="1" latinLnBrk="0" hangingPunct="1">
+        <a:defRPr sz="1440" kern="1200">
           <a:solidFill>
             <a:schemeClr val="tx1"/>
           </a:solidFill>
@@ -3343,8 +3072,8 @@
         </p:blipFill>
         <p:spPr>
           <a:xfrm rot="181609">
-            <a:off x="4674443" y="2996887"/>
-            <a:ext cx="1475064" cy="1380443"/>
+            <a:off x="2141272" y="3196680"/>
+            <a:ext cx="1573402" cy="1472473"/>
           </a:xfrm>
           <a:prstGeom prst="rect">
             <a:avLst/>
@@ -3372,8 +3101,8 @@
         </p:blipFill>
         <p:spPr>
           <a:xfrm rot="181609">
-            <a:off x="5992913" y="2956804"/>
-            <a:ext cx="1475064" cy="1380443"/>
+            <a:off x="3547640" y="3153925"/>
+            <a:ext cx="1573402" cy="1472473"/>
           </a:xfrm>
           <a:prstGeom prst="rect">
             <a:avLst/>
@@ -3407,8 +3136,8 @@
         </p:blipFill>
         <p:spPr>
           <a:xfrm>
-            <a:off x="4577846" y="1385322"/>
-            <a:ext cx="4293943" cy="2446315"/>
+            <a:off x="2038236" y="1477677"/>
+            <a:ext cx="4580206" cy="2609403"/>
           </a:xfrm>
           <a:prstGeom prst="rect">
             <a:avLst/>
@@ -3449,8 +3178,8 @@
         </p:blipFill>
         <p:spPr>
           <a:xfrm rot="20817969">
-            <a:off x="4108463" y="2565391"/>
-            <a:ext cx="3963299" cy="618596"/>
+            <a:off x="1537561" y="2736417"/>
+            <a:ext cx="4227519" cy="659836"/>
           </a:xfrm>
           <a:prstGeom prst="rect">
             <a:avLst/>
@@ -3491,8 +3220,8 @@
         </p:blipFill>
         <p:spPr>
           <a:xfrm rot="1116202">
-            <a:off x="7728017" y="2597636"/>
-            <a:ext cx="2904487" cy="656316"/>
+            <a:off x="5398419" y="2770812"/>
+            <a:ext cx="3098119" cy="700070"/>
           </a:xfrm>
           <a:prstGeom prst="rect">
             <a:avLst/>
@@ -3520,8 +3249,8 @@
         </p:blipFill>
         <p:spPr>
           <a:xfrm rot="181609">
-            <a:off x="7379798" y="2952754"/>
-            <a:ext cx="1475064" cy="1380443"/>
+            <a:off x="5026984" y="3149605"/>
+            <a:ext cx="1573402" cy="1472473"/>
           </a:xfrm>
           <a:prstGeom prst="rect">
             <a:avLst/>
@@ -3556,8 +3285,8 @@
         </p:blipFill>
         <p:spPr bwMode="auto">
           <a:xfrm rot="20597328">
-            <a:off x="7369036" y="3852445"/>
-            <a:ext cx="3277416" cy="592372"/>
+            <a:off x="5015505" y="4109275"/>
+            <a:ext cx="3495910" cy="631863"/>
           </a:xfrm>
           <a:prstGeom prst="rect">
             <a:avLst/>
@@ -3602,8 +3331,8 @@
         </p:blipFill>
         <p:spPr bwMode="auto">
           <a:xfrm rot="793470">
-            <a:off x="3990756" y="3877798"/>
-            <a:ext cx="3689527" cy="631861"/>
+            <a:off x="1412007" y="4136318"/>
+            <a:ext cx="3935495" cy="673985"/>
           </a:xfrm>
           <a:prstGeom prst="rect">
             <a:avLst/>
@@ -3660,8 +3389,8 @@
         </p:blipFill>
         <p:spPr bwMode="auto">
           <a:xfrm rot="3318541">
-            <a:off x="2791973" y="3469829"/>
-            <a:ext cx="1565251" cy="1447799"/>
+            <a:off x="133305" y="3701151"/>
+            <a:ext cx="1669601" cy="1544319"/>
           </a:xfrm>
           <a:prstGeom prst="rect">
             <a:avLst/>
@@ -3718,8 +3447,8 @@
         </p:blipFill>
         <p:spPr bwMode="auto">
           <a:xfrm rot="7100634">
-            <a:off x="2786545" y="2201894"/>
-            <a:ext cx="1565251" cy="1447799"/>
+            <a:off x="127515" y="2348687"/>
+            <a:ext cx="1669601" cy="1544319"/>
           </a:xfrm>
           <a:prstGeom prst="rect">
             <a:avLst/>
@@ -3750,8 +3479,8 @@
         </p:nvSpPr>
         <p:spPr>
           <a:xfrm>
-            <a:off x="9095234" y="3262344"/>
-            <a:ext cx="311731" cy="320040"/>
+            <a:off x="6856784" y="3479834"/>
+            <a:ext cx="332513" cy="341376"/>
           </a:xfrm>
           <a:prstGeom prst="ellipse">
             <a:avLst/>
@@ -3786,7 +3515,7 @@
           <a:lstStyle/>
           <a:p>
             <a:pPr algn="ctr"/>
-            <a:endParaRPr lang="en-US"/>
+            <a:endParaRPr lang="en-US" sz="1920"/>
           </a:p>
         </p:txBody>
       </p:sp>
@@ -3820,9 +3549,167 @@
           <a:chExt cx="0" cy="0"/>
         </a:xfrm>
       </p:grpSpPr>
+      <p:sp>
+        <p:nvSpPr>
+          <p:cNvPr id="2" name="Rectangle 1">
+            <a:extLst>
+              <a:ext uri="{FF2B5EF4-FFF2-40B4-BE49-F238E27FC236}">
+                <a16:creationId xmlns:a16="http://schemas.microsoft.com/office/drawing/2014/main" id="{A7423BCC-BA35-19D2-3C36-00731A074014}"/>
+              </a:ext>
+            </a:extLst>
+          </p:cNvPr>
+          <p:cNvSpPr/>
+          <p:nvPr/>
+        </p:nvSpPr>
+        <p:spPr>
+          <a:xfrm>
+            <a:off x="1655805" y="3138616"/>
+            <a:ext cx="5128053" cy="1149178"/>
+          </a:xfrm>
+          <a:prstGeom prst="rect">
+            <a:avLst/>
+          </a:prstGeom>
+          <a:solidFill>
+            <a:schemeClr val="bg1"/>
+          </a:solidFill>
+          <a:ln>
+            <a:noFill/>
+          </a:ln>
+        </p:spPr>
+        <p:style>
+          <a:lnRef idx="2">
+            <a:schemeClr val="accent1">
+              <a:shade val="15000"/>
+            </a:schemeClr>
+          </a:lnRef>
+          <a:fillRef idx="1">
+            <a:schemeClr val="accent1"/>
+          </a:fillRef>
+          <a:effectRef idx="0">
+            <a:schemeClr val="accent1"/>
+          </a:effectRef>
+          <a:fontRef idx="minor">
+            <a:schemeClr val="lt1"/>
+          </a:fontRef>
+        </p:style>
+        <p:txBody>
+          <a:bodyPr rtlCol="0" anchor="ctr"/>
+          <a:lstStyle/>
+          <a:p>
+            <a:pPr algn="ctr"/>
+            <a:endParaRPr lang="en-US"/>
+          </a:p>
+        </p:txBody>
+      </p:sp>
+      <p:sp>
+        <p:nvSpPr>
+          <p:cNvPr id="3" name="Rectangle 2">
+            <a:extLst>
+              <a:ext uri="{FF2B5EF4-FFF2-40B4-BE49-F238E27FC236}">
+                <a16:creationId xmlns:a16="http://schemas.microsoft.com/office/drawing/2014/main" id="{2F238F81-BE78-326B-CC29-A0D129181E3A}"/>
+              </a:ext>
+            </a:extLst>
+          </p:cNvPr>
+          <p:cNvSpPr/>
+          <p:nvPr/>
+        </p:nvSpPr>
+        <p:spPr>
+          <a:xfrm>
+            <a:off x="3904735" y="2656702"/>
+            <a:ext cx="1359243" cy="1149178"/>
+          </a:xfrm>
+          <a:prstGeom prst="rect">
+            <a:avLst/>
+          </a:prstGeom>
+          <a:solidFill>
+            <a:schemeClr val="bg1"/>
+          </a:solidFill>
+          <a:ln>
+            <a:noFill/>
+          </a:ln>
+        </p:spPr>
+        <p:style>
+          <a:lnRef idx="2">
+            <a:schemeClr val="accent1">
+              <a:shade val="15000"/>
+            </a:schemeClr>
+          </a:lnRef>
+          <a:fillRef idx="1">
+            <a:schemeClr val="accent1"/>
+          </a:fillRef>
+          <a:effectRef idx="0">
+            <a:schemeClr val="accent1"/>
+          </a:effectRef>
+          <a:fontRef idx="minor">
+            <a:schemeClr val="lt1"/>
+          </a:fontRef>
+        </p:style>
+        <p:txBody>
+          <a:bodyPr rtlCol="0" anchor="ctr"/>
+          <a:lstStyle/>
+          <a:p>
+            <a:pPr algn="ctr"/>
+            <a:endParaRPr lang="en-US"/>
+          </a:p>
+        </p:txBody>
+      </p:sp>
+      <p:sp>
+        <p:nvSpPr>
+          <p:cNvPr id="5" name="Isosceles Triangle 4">
+            <a:extLst>
+              <a:ext uri="{FF2B5EF4-FFF2-40B4-BE49-F238E27FC236}">
+                <a16:creationId xmlns:a16="http://schemas.microsoft.com/office/drawing/2014/main" id="{C640D02F-5039-9780-C1EE-ACBB2338B535}"/>
+              </a:ext>
+            </a:extLst>
+          </p:cNvPr>
+          <p:cNvSpPr/>
+          <p:nvPr/>
+        </p:nvSpPr>
+        <p:spPr>
+          <a:xfrm rot="20751485">
+            <a:off x="3290167" y="1658011"/>
+            <a:ext cx="617838" cy="757922"/>
+          </a:xfrm>
+          <a:prstGeom prst="triangle">
+            <a:avLst>
+              <a:gd name="adj" fmla="val 6000"/>
+            </a:avLst>
+          </a:prstGeom>
+          <a:solidFill>
+            <a:schemeClr val="bg1"/>
+          </a:solidFill>
+          <a:ln>
+            <a:noFill/>
+          </a:ln>
+        </p:spPr>
+        <p:style>
+          <a:lnRef idx="2">
+            <a:schemeClr val="accent1">
+              <a:shade val="15000"/>
+            </a:schemeClr>
+          </a:lnRef>
+          <a:fillRef idx="1">
+            <a:schemeClr val="accent1"/>
+          </a:fillRef>
+          <a:effectRef idx="0">
+            <a:schemeClr val="accent1"/>
+          </a:effectRef>
+          <a:fontRef idx="minor">
+            <a:schemeClr val="lt1"/>
+          </a:fontRef>
+        </p:style>
+        <p:txBody>
+          <a:bodyPr rtlCol="0" anchor="ctr"/>
+          <a:lstStyle/>
+          <a:p>
+            <a:pPr algn="ctr"/>
+            <a:endParaRPr lang="en-US"/>
+          </a:p>
+        </p:txBody>
+      </p:sp>
       <p:pic>
         <p:nvPicPr>
-          <p:cNvPr id="4" name="Picture 3">
+          <p:cNvPr id="7" name="Picture 6">
             <a:extLst>
               <a:ext uri="{FF2B5EF4-FFF2-40B4-BE49-F238E27FC236}">
                 <a16:creationId xmlns:a16="http://schemas.microsoft.com/office/drawing/2014/main" id="{6413FDCE-8AAA-46D6-197F-163FFF290275}"/>
@@ -3835,23 +3722,15 @@
           <p:nvPr/>
         </p:nvPicPr>
         <p:blipFill>
-          <a:blip r:embed="rId2">
-            <a:duotone>
-              <a:prstClr val="black"/>
-              <a:schemeClr val="accent1">
-                <a:tint val="45000"/>
-                <a:satMod val="400000"/>
-              </a:schemeClr>
-            </a:duotone>
-          </a:blip>
+          <a:blip r:embed="rId2"/>
           <a:stretch>
             <a:fillRect/>
           </a:stretch>
         </p:blipFill>
         <p:spPr>
           <a:xfrm>
-            <a:off x="2026567" y="1493352"/>
-            <a:ext cx="8138865" cy="3871296"/>
+            <a:off x="-117027" y="1161536"/>
+            <a:ext cx="7432227" cy="4596714"/>
           </a:xfrm>
           <a:prstGeom prst="rect">
             <a:avLst/>
@@ -3874,7 +3753,7 @@
 <file path=ppt/theme/theme1.xml><?xml version="1.0" encoding="utf-8"?>
 <a:theme xmlns:a="http://schemas.openxmlformats.org/drawingml/2006/main" name="Office Theme">
   <a:themeElements>
-    <a:clrScheme name="Office">
+    <a:clrScheme name="Office Theme">
       <a:dk1>
         <a:sysClr val="windowText" lastClr="000000"/>
       </a:dk1>
@@ -3912,7 +3791,7 @@
         <a:srgbClr val="96607D"/>
       </a:folHlink>
     </a:clrScheme>
-    <a:fontScheme name="Office">
+    <a:fontScheme name="Office Theme">
       <a:majorFont>
         <a:latin typeface="Aptos Display" panose="02110004020202020204"/>
         <a:ea typeface=""/>
@@ -4018,7 +3897,7 @@
         <a:font script="Tfng" typeface="Ebrima"/>
       </a:minorFont>
     </a:fontScheme>
-    <a:fmtScheme name="Office">
+    <a:fmtScheme name="Office Theme">
       <a:fillStyleLst>
         <a:solidFill>
           <a:schemeClr val="phClr"/>
